--- a/my ppts/dms and ecat.pptx
+++ b/my ppts/dms and ecat.pptx
@@ -210,7 +210,7 @@
             <a:fld id="{2471BF65-6BCF-4213-9462-EFF66010DA85}" type="datetimeFigureOut">
               <a:rPr lang="en-US" smtClean="0"/>
               <a:pPr/>
-              <a:t>5/2/2025</a:t>
+              <a:t>5/5/2025</a:t>
             </a:fld>
             <a:endParaRPr lang="en-US" dirty="0"/>
           </a:p>
@@ -2815,7 +2815,7 @@
             <a:fld id="{D7DE8F0E-6363-4E82-B695-B5FE43283AD4}" type="datetimeFigureOut">
               <a:rPr lang="en-US" smtClean="0"/>
               <a:pPr/>
-              <a:t>5/2/2025</a:t>
+              <a:t>5/5/2025</a:t>
             </a:fld>
             <a:endParaRPr lang="en-US" dirty="0"/>
           </a:p>
@@ -3534,7 +3534,7 @@
             <a:fld id="{D7DE8F0E-6363-4E82-B695-B5FE43283AD4}" type="datetimeFigureOut">
               <a:rPr lang="en-US" smtClean="0"/>
               <a:pPr/>
-              <a:t>5/2/2025</a:t>
+              <a:t>5/5/2025</a:t>
             </a:fld>
             <a:endParaRPr lang="en-US" dirty="0"/>
           </a:p>
@@ -3721,7 +3721,7 @@
             <a:fld id="{D7DE8F0E-6363-4E82-B695-B5FE43283AD4}" type="datetimeFigureOut">
               <a:rPr lang="en-US" smtClean="0"/>
               <a:pPr/>
-              <a:t>5/2/2025</a:t>
+              <a:t>5/5/2025</a:t>
             </a:fld>
             <a:endParaRPr lang="en-US" dirty="0"/>
           </a:p>
@@ -3898,7 +3898,7 @@
             <a:fld id="{D7DE8F0E-6363-4E82-B695-B5FE43283AD4}" type="datetimeFigureOut">
               <a:rPr lang="en-US" smtClean="0"/>
               <a:pPr/>
-              <a:t>5/2/2025</a:t>
+              <a:t>5/5/2025</a:t>
             </a:fld>
             <a:endParaRPr lang="en-US" dirty="0"/>
           </a:p>
@@ -5383,7 +5383,7 @@
             <a:fld id="{D7DE8F0E-6363-4E82-B695-B5FE43283AD4}" type="datetimeFigureOut">
               <a:rPr lang="en-US" smtClean="0"/>
               <a:pPr/>
-              <a:t>5/2/2025</a:t>
+              <a:t>5/5/2025</a:t>
             </a:fld>
             <a:endParaRPr lang="en-US" dirty="0"/>
           </a:p>
@@ -5985,7 +5985,7 @@
             <a:fld id="{D7DE8F0E-6363-4E82-B695-B5FE43283AD4}" type="datetimeFigureOut">
               <a:rPr lang="en-US" smtClean="0"/>
               <a:pPr/>
-              <a:t>5/2/2025</a:t>
+              <a:t>5/5/2025</a:t>
             </a:fld>
             <a:endParaRPr lang="en-US" dirty="0"/>
           </a:p>
@@ -6424,7 +6424,7 @@
             <a:fld id="{D7DE8F0E-6363-4E82-B695-B5FE43283AD4}" type="datetimeFigureOut">
               <a:rPr lang="en-US" smtClean="0"/>
               <a:pPr/>
-              <a:t>5/2/2025</a:t>
+              <a:t>5/5/2025</a:t>
             </a:fld>
             <a:endParaRPr lang="en-US" dirty="0"/>
           </a:p>
@@ -6987,7 +6987,7 @@
             <a:fld id="{D7DE8F0E-6363-4E82-B695-B5FE43283AD4}" type="datetimeFigureOut">
               <a:rPr lang="en-US" smtClean="0"/>
               <a:pPr/>
-              <a:t>5/2/2025</a:t>
+              <a:t>5/5/2025</a:t>
             </a:fld>
             <a:endParaRPr lang="en-US" dirty="0"/>
           </a:p>
@@ -7085,7 +7085,7 @@
             <a:fld id="{D7DE8F0E-6363-4E82-B695-B5FE43283AD4}" type="datetimeFigureOut">
               <a:rPr lang="en-US" smtClean="0"/>
               <a:pPr/>
-              <a:t>5/2/2025</a:t>
+              <a:t>5/5/2025</a:t>
             </a:fld>
             <a:endParaRPr lang="en-US" dirty="0"/>
           </a:p>
@@ -7341,7 +7341,7 @@
             <a:fld id="{D7DE8F0E-6363-4E82-B695-B5FE43283AD4}" type="datetimeFigureOut">
               <a:rPr lang="en-US" smtClean="0"/>
               <a:pPr/>
-              <a:t>5/2/2025</a:t>
+              <a:t>5/5/2025</a:t>
             </a:fld>
             <a:endParaRPr lang="en-US" dirty="0"/>
           </a:p>
@@ -8064,7 +8064,7 @@
             <a:fld id="{D7DE8F0E-6363-4E82-B695-B5FE43283AD4}" type="datetimeFigureOut">
               <a:rPr lang="en-US" smtClean="0"/>
               <a:pPr/>
-              <a:t>5/2/2025</a:t>
+              <a:t>5/5/2025</a:t>
             </a:fld>
             <a:endParaRPr lang="en-US" dirty="0"/>
           </a:p>
@@ -8739,7 +8739,7 @@
             <a:fld id="{D7DE8F0E-6363-4E82-B695-B5FE43283AD4}" type="datetimeFigureOut">
               <a:rPr lang="en-US" smtClean="0"/>
               <a:pPr/>
-              <a:t>5/2/2025</a:t>
+              <a:t>5/5/2025</a:t>
             </a:fld>
             <a:endParaRPr lang="en-US" dirty="0"/>
           </a:p>
@@ -9339,7 +9339,27 @@
           <a:p>
             <a:r>
               <a:rPr lang="en-US" dirty="0" smtClean="0"/>
-              <a:t>Centralized system for Dealer Operations, connects OEMs, Dealers, and Customers.</a:t>
+              <a:t>Centralized system for Dealer Operations, connects OEMs</a:t>
+            </a:r>
+            <a:r>
+              <a:rPr lang="en-US" dirty="0" smtClean="0"/>
+              <a:t>, </a:t>
+            </a:r>
+            <a:r>
+              <a:rPr lang="en-US" dirty="0" smtClean="0"/>
+              <a:t>Distributor, </a:t>
+            </a:r>
+            <a:r>
+              <a:rPr lang="en-US" dirty="0" smtClean="0"/>
+              <a:t>Dealers, </a:t>
+            </a:r>
+            <a:r>
+              <a:rPr lang="en-US" dirty="0" smtClean="0"/>
+              <a:t>and End </a:t>
+            </a:r>
+            <a:r>
+              <a:rPr lang="en-US" dirty="0" smtClean="0"/>
+              <a:t>Customers.</a:t>
             </a:r>
           </a:p>
           <a:p>
@@ -9351,13 +9371,11 @@
           <a:p>
             <a:r>
               <a:rPr lang="en-US" dirty="0" smtClean="0"/>
-              <a:t>Connects OEM, Distributor, Dealer, and End Customer.</a:t>
-            </a:r>
-          </a:p>
-          <a:p>
-            <a:r>
-              <a:rPr lang="en-US" dirty="0" smtClean="0"/>
-              <a:t>Real-time business visibility and reporting.</a:t>
+              <a:t>Real-time </a:t>
+            </a:r>
+            <a:r>
+              <a:rPr lang="en-US" dirty="0" smtClean="0"/>
+              <a:t>business visibility and reporting.</a:t>
             </a:r>
           </a:p>
           <a:p>

--- a/my ppts/dms and ecat.pptx
+++ b/my ppts/dms and ecat.pptx
@@ -5,7 +5,7 @@
     <p:sldMasterId id="2147483720" r:id="rId1"/>
   </p:sldMasterIdLst>
   <p:notesMasterIdLst>
-    <p:notesMasterId r:id="rId20"/>
+    <p:notesMasterId r:id="rId19"/>
   </p:notesMasterIdLst>
   <p:sldIdLst>
     <p:sldId id="257" r:id="rId2"/>
@@ -23,9 +23,8 @@
     <p:sldId id="276" r:id="rId14"/>
     <p:sldId id="273" r:id="rId15"/>
     <p:sldId id="275" r:id="rId16"/>
-    <p:sldId id="278" r:id="rId17"/>
-    <p:sldId id="274" r:id="rId18"/>
-    <p:sldId id="270" r:id="rId19"/>
+    <p:sldId id="274" r:id="rId17"/>
+    <p:sldId id="270" r:id="rId18"/>
   </p:sldIdLst>
   <p:sldSz cx="9144000" cy="6858000" type="screen4x3"/>
   <p:notesSz cx="6858000" cy="9144000"/>
@@ -210,7 +209,7 @@
             <a:fld id="{2471BF65-6BCF-4213-9462-EFF66010DA85}" type="datetimeFigureOut">
               <a:rPr lang="en-US" smtClean="0"/>
               <a:pPr/>
-              <a:t>5/5/2025</a:t>
+              <a:t>5/12/2025</a:t>
             </a:fld>
             <a:endParaRPr lang="en-US" dirty="0"/>
           </a:p>
@@ -522,74 +521,7 @@
           </a:bodyPr>
           <a:lstStyle/>
           <a:p>
-            <a:r>
-              <a:rPr lang="en-US" dirty="0" smtClean="0"/>
-              <a:t>VIN – vehicle</a:t>
-            </a:r>
-            <a:r>
-              <a:rPr lang="en-US" baseline="0" dirty="0" smtClean="0"/>
-              <a:t> Identification Number</a:t>
-            </a:r>
-          </a:p>
-          <a:p>
-            <a:r>
-              <a:rPr lang="en-US" baseline="0" dirty="0" smtClean="0"/>
-              <a:t>mCatalog – for mobile apps</a:t>
-            </a:r>
-          </a:p>
-          <a:p>
-            <a:r>
-              <a:rPr lang="en-US" dirty="0" smtClean="0"/>
-              <a:t>PLM - </a:t>
-            </a:r>
-            <a:r>
-              <a:rPr lang="en-US" sz="1200" b="0" i="0" kern="1200" dirty="0" smtClean="0">
-                <a:solidFill>
-                  <a:schemeClr val="tx1"/>
-                </a:solidFill>
-                <a:latin typeface="+mn-lt"/>
-                <a:ea typeface="+mn-ea"/>
-                <a:cs typeface="+mn-cs"/>
-              </a:rPr>
-              <a:t>Product Lifecycle Management(from manufacturing</a:t>
-            </a:r>
-            <a:r>
-              <a:rPr lang="en-US" sz="1200" b="0" i="0" kern="1200" baseline="0" dirty="0" smtClean="0">
-                <a:solidFill>
-                  <a:schemeClr val="tx1"/>
-                </a:solidFill>
-                <a:latin typeface="+mn-lt"/>
-                <a:ea typeface="+mn-ea"/>
-                <a:cs typeface="+mn-cs"/>
-              </a:rPr>
-              <a:t> to service to repairs to discontinuation)</a:t>
-            </a:r>
-            <a:endParaRPr lang="en-US" dirty="0" smtClean="0"/>
-          </a:p>
-          <a:p>
-            <a:r>
-              <a:rPr lang="en-US" dirty="0" smtClean="0"/>
-              <a:t>ERP - </a:t>
-            </a:r>
-            <a:r>
-              <a:rPr lang="en-US" sz="1200" b="0" i="0" kern="1200" dirty="0" smtClean="0">
-                <a:solidFill>
-                  <a:schemeClr val="tx1"/>
-                </a:solidFill>
-                <a:latin typeface="+mn-lt"/>
-                <a:ea typeface="+mn-ea"/>
-                <a:cs typeface="+mn-cs"/>
-              </a:rPr>
-              <a:t>Enterprise Resource Planning (manages the company's resources and processes across various departments like finance, production, and sales)</a:t>
-            </a:r>
-            <a:endParaRPr lang="en-US" dirty="0" smtClean="0"/>
-          </a:p>
-          <a:p>
-            <a:r>
-              <a:rPr lang="en-US" dirty="0" smtClean="0"/>
-              <a:t>DMS  - Dealer Management System</a:t>
-            </a:r>
-            <a:endParaRPr lang="en-US" baseline="0" dirty="0" smtClean="0"/>
+            <a:endParaRPr lang="en-US"/>
           </a:p>
         </p:txBody>
       </p:sp>
@@ -611,7 +543,7 @@
             <a:fld id="{2D29A876-06BB-41EC-9B0F-8FD6E6C83954}" type="slidenum">
               <a:rPr lang="en-US" smtClean="0"/>
               <a:pPr/>
-              <a:t>2</a:t>
+              <a:t>1</a:t>
             </a:fld>
             <a:endParaRPr lang="en-US" dirty="0"/>
           </a:p>
@@ -672,42 +604,76 @@
           <a:lstStyle/>
           <a:p>
             <a:r>
-              <a:rPr lang="en-US" dirty="0" smtClean="0"/>
-              <a:t>5)</a:t>
-            </a:r>
-            <a:r>
-              <a:rPr lang="en-US" baseline="0" dirty="0" smtClean="0"/>
+              <a:rPr lang="en-US" b="1" dirty="0" smtClean="0"/>
+              <a:t>Enquiry –</a:t>
+            </a:r>
+            <a:r>
+              <a:rPr lang="en-US" b="1" baseline="0" dirty="0" smtClean="0"/>
               <a:t> </a:t>
             </a:r>
             <a:r>
-              <a:rPr lang="en-US" dirty="0" smtClean="0"/>
-              <a:t>Raising a </a:t>
-            </a:r>
-            <a:r>
-              <a:rPr lang="en-US" b="1" dirty="0" smtClean="0"/>
-              <a:t>claim</a:t>
-            </a:r>
-            <a:r>
-              <a:rPr lang="en-US" dirty="0" smtClean="0"/>
-              <a:t> when there is a </a:t>
-            </a:r>
-            <a:r>
-              <a:rPr lang="en-US" b="1" dirty="0" smtClean="0"/>
-              <a:t>problem</a:t>
-            </a:r>
-            <a:r>
-              <a:rPr lang="en-US" dirty="0" smtClean="0"/>
-              <a:t> with the </a:t>
-            </a:r>
-            <a:r>
-              <a:rPr lang="en-US" b="1" dirty="0" smtClean="0"/>
-              <a:t>spare parts order</a:t>
-            </a:r>
-            <a:r>
-              <a:rPr lang="en-US" dirty="0" smtClean="0"/>
-              <a:t> received from the supplier (OEM). [wrong/damaged/short/extra/missing]</a:t>
-            </a:r>
-            <a:endParaRPr lang="en-US" dirty="0"/>
+              <a:rPr lang="en-US" b="0" baseline="0" dirty="0" smtClean="0"/>
+              <a:t>basically asking about the product – cold enquiry(just to get info), hot enquiry(generally asked to know and buy about the product).</a:t>
+            </a:r>
+          </a:p>
+          <a:p>
+            <a:r>
+              <a:rPr lang="en-US" b="1" baseline="0" dirty="0" smtClean="0"/>
+              <a:t>Quotation – </a:t>
+            </a:r>
+            <a:r>
+              <a:rPr lang="en-US" b="0" baseline="0" dirty="0" smtClean="0"/>
+              <a:t>based on enquiry quotation is made for the customer. Basically quotes of the items is generated, eg – price, product details, quantity, taxes, discounts, validity period etc.</a:t>
+            </a:r>
+          </a:p>
+          <a:p>
+            <a:r>
+              <a:rPr lang="en-US" b="1" baseline="0" dirty="0" smtClean="0"/>
+              <a:t>Marketing – </a:t>
+            </a:r>
+            <a:r>
+              <a:rPr lang="en-US" b="0" baseline="0" dirty="0" smtClean="0"/>
+              <a:t>organizing and tracking marketing activities. Eg – special discounts on certain products, show cases of different products in different region, etc.</a:t>
+            </a:r>
+          </a:p>
+          <a:p>
+            <a:r>
+              <a:rPr lang="en-US" b="1" baseline="0" dirty="0" smtClean="0"/>
+              <a:t>Product Purchase – </a:t>
+            </a:r>
+            <a:r>
+              <a:rPr lang="en-US" b="0" baseline="0" dirty="0" smtClean="0"/>
+              <a:t>recording and managing purchase transaction, eg – when the purchase was made, number of quantity </a:t>
+            </a:r>
+            <a:r>
+              <a:rPr lang="en-US" b="0" baseline="0" dirty="0" smtClean="0"/>
+              <a:t>were purchased, </a:t>
+            </a:r>
+            <a:r>
+              <a:rPr lang="en-US" b="0" baseline="0" dirty="0" smtClean="0"/>
+              <a:t>when delivery was made, etc.</a:t>
+            </a:r>
+          </a:p>
+          <a:p>
+            <a:r>
+              <a:rPr lang="en-US" b="1" baseline="0" dirty="0" smtClean="0"/>
+              <a:t>Product Inventory  -</a:t>
+            </a:r>
+            <a:r>
+              <a:rPr lang="en-US" b="0" baseline="0" dirty="0" smtClean="0"/>
+              <a:t> number of product sold and number of product left, should the dealer stock up etc.</a:t>
+            </a:r>
+          </a:p>
+          <a:p>
+            <a:r>
+              <a:rPr lang="en-US" b="1" baseline="0" dirty="0" smtClean="0"/>
+              <a:t>Sales and Marketing Claims – </a:t>
+            </a:r>
+            <a:r>
+              <a:rPr lang="en-US" b="0" baseline="0" dirty="0" smtClean="0"/>
+              <a:t>basically all the discounts/claims that were made during the marketing campaign are quoted and claim is made to the OEM by the dealership.</a:t>
+            </a:r>
+            <a:endParaRPr lang="en-US" b="1" baseline="0" dirty="0" smtClean="0"/>
           </a:p>
         </p:txBody>
       </p:sp>
@@ -729,7 +695,7 @@
             <a:fld id="{2D29A876-06BB-41EC-9B0F-8FD6E6C83954}" type="slidenum">
               <a:rPr lang="en-US" smtClean="0"/>
               <a:pPr/>
-              <a:t>14</a:t>
+              <a:t>13</a:t>
             </a:fld>
             <a:endParaRPr lang="en-US" dirty="0"/>
           </a:p>
@@ -790,218 +756,70 @@
           <a:lstStyle/>
           <a:p>
             <a:r>
-              <a:rPr lang="en-US" dirty="0" smtClean="0"/>
-              <a:t>CRM - </a:t>
-            </a:r>
-            <a:r>
-              <a:rPr lang="en-US" sz="1200" b="0" i="0" kern="1200" dirty="0" smtClean="0">
-                <a:solidFill>
-                  <a:schemeClr val="tx1"/>
-                </a:solidFill>
-                <a:latin typeface="+mn-lt"/>
-                <a:ea typeface="+mn-ea"/>
-                <a:cs typeface="+mn-cs"/>
-              </a:rPr>
-              <a:t>Customer Relationship Management(</a:t>
-            </a:r>
-            <a:r>
-              <a:rPr lang="en-US" dirty="0" smtClean="0"/>
-              <a:t>Keeping a </a:t>
-            </a:r>
-            <a:r>
               <a:rPr lang="en-US" b="1" dirty="0" smtClean="0"/>
-              <a:t>full record of customer interactions</a:t>
-            </a:r>
-            <a:r>
-              <a:rPr lang="en-US" dirty="0" smtClean="0"/>
-              <a:t> (service history, feedback, complaints).)</a:t>
-            </a:r>
-            <a:endParaRPr lang="en-US" sz="1200" b="0" i="0" kern="1200" dirty="0" smtClean="0">
-              <a:solidFill>
-                <a:schemeClr val="tx1"/>
-              </a:solidFill>
-              <a:latin typeface="+mn-lt"/>
-              <a:ea typeface="+mn-ea"/>
-              <a:cs typeface="+mn-cs"/>
-            </a:endParaRPr>
-          </a:p>
-          <a:p>
-            <a:pPr marL="228600" indent="-228600">
-              <a:buAutoNum type="arabicParenR"/>
-            </a:pPr>
-            <a:r>
-              <a:rPr lang="en-US" sz="1200" b="0" i="0" kern="1200" baseline="0" dirty="0" smtClean="0">
-                <a:solidFill>
-                  <a:schemeClr val="tx1"/>
-                </a:solidFill>
-                <a:latin typeface="+mn-lt"/>
-                <a:ea typeface="+mn-ea"/>
-                <a:cs typeface="+mn-cs"/>
-              </a:rPr>
-              <a:t>Customer can book service, through phone, website or mobile app, scheduling service slots.</a:t>
-            </a:r>
-          </a:p>
-          <a:p>
-            <a:r>
-              <a:rPr lang="en-US" dirty="0" smtClean="0"/>
-              <a:t>Creating and managing a </a:t>
-            </a:r>
-            <a:r>
-              <a:rPr lang="en-US" b="1" dirty="0" smtClean="0"/>
-              <a:t>job card</a:t>
-            </a:r>
-            <a:r>
-              <a:rPr lang="en-US" dirty="0" smtClean="0"/>
-              <a:t> for every vehicle that comes in for service.(A </a:t>
-            </a:r>
-            <a:r>
-              <a:rPr lang="en-US" b="1" dirty="0" smtClean="0"/>
-              <a:t>job card</a:t>
-            </a:r>
-            <a:r>
-              <a:rPr lang="en-US" dirty="0" smtClean="0"/>
-              <a:t> is like a </a:t>
-            </a:r>
-            <a:r>
-              <a:rPr lang="en-US" b="1" dirty="0" smtClean="0"/>
-              <a:t>work order document</a:t>
-            </a:r>
-            <a:r>
-              <a:rPr lang="en-US" dirty="0" smtClean="0"/>
-              <a:t> that lists:</a:t>
-            </a:r>
-          </a:p>
-          <a:p>
-            <a:r>
-              <a:rPr lang="en-US" dirty="0" smtClean="0"/>
-              <a:t>Customer and vehicle details.</a:t>
-            </a:r>
-          </a:p>
-          <a:p>
-            <a:r>
-              <a:rPr lang="en-US" dirty="0" smtClean="0"/>
-              <a:t>Reported problems (complaints).</a:t>
-            </a:r>
-          </a:p>
-          <a:p>
-            <a:r>
-              <a:rPr lang="en-US" dirty="0" smtClean="0"/>
-              <a:t>Service tasks to be done (repair, replacement, inspection).</a:t>
-            </a:r>
-          </a:p>
-          <a:p>
-            <a:r>
-              <a:rPr lang="en-US" dirty="0" smtClean="0"/>
-              <a:t>Spare parts needed.</a:t>
-            </a:r>
-          </a:p>
-          <a:p>
-            <a:r>
-              <a:rPr lang="en-US" dirty="0" smtClean="0"/>
-              <a:t>Estimated costs (labor + parts).</a:t>
-            </a:r>
-          </a:p>
-          <a:p>
-            <a:r>
-              <a:rPr lang="en-US" dirty="0" smtClean="0"/>
-              <a:t>Technician assigned.)</a:t>
-            </a:r>
-          </a:p>
-          <a:p>
-            <a:r>
-              <a:rPr lang="en-US" dirty="0" smtClean="0"/>
-              <a:t>6) A </a:t>
-            </a:r>
-            <a:r>
-              <a:rPr lang="en-US" b="1" dirty="0" smtClean="0"/>
-              <a:t>real-time dashboard</a:t>
-            </a:r>
-            <a:r>
-              <a:rPr lang="en-US" dirty="0" smtClean="0"/>
-              <a:t> inside the DMS that shows </a:t>
-            </a:r>
-            <a:r>
-              <a:rPr lang="en-US" b="1" dirty="0" smtClean="0"/>
-              <a:t>key performance indicators (KPIs)</a:t>
-            </a:r>
-            <a:r>
-              <a:rPr lang="en-US" dirty="0" smtClean="0"/>
-              <a:t> related to the </a:t>
-            </a:r>
-            <a:r>
-              <a:rPr lang="en-US" b="1" dirty="0" smtClean="0"/>
-              <a:t>service department</a:t>
-            </a:r>
-            <a:r>
-              <a:rPr lang="en-US" dirty="0" smtClean="0"/>
-              <a:t>.</a:t>
-            </a:r>
-          </a:p>
-          <a:p>
-            <a:r>
-              <a:rPr lang="en-US" dirty="0" smtClean="0"/>
-              <a:t>It helps managers quickly </a:t>
-            </a:r>
-            <a:r>
-              <a:rPr lang="en-US" b="1" dirty="0" smtClean="0"/>
-              <a:t>see and analyze</a:t>
-            </a:r>
-            <a:r>
-              <a:rPr lang="en-US" dirty="0" smtClean="0"/>
-              <a:t>:</a:t>
-            </a:r>
-          </a:p>
-          <a:p>
-            <a:pPr lvl="1"/>
-            <a:r>
-              <a:rPr lang="en-US" dirty="0" smtClean="0"/>
-              <a:t>How many service appointments were booked today?</a:t>
-            </a:r>
-          </a:p>
-          <a:p>
-            <a:pPr lvl="1"/>
-            <a:r>
-              <a:rPr lang="en-US" dirty="0" smtClean="0"/>
-              <a:t>How many job cards were completed?</a:t>
-            </a:r>
-          </a:p>
-          <a:p>
-            <a:pPr lvl="1"/>
-            <a:r>
-              <a:rPr lang="en-US" dirty="0" smtClean="0"/>
-              <a:t>Average turnaround time (vehicle in to vehicle out).</a:t>
-            </a:r>
-          </a:p>
-          <a:p>
-            <a:pPr lvl="1"/>
-            <a:r>
-              <a:rPr lang="en-US" dirty="0" smtClean="0"/>
-              <a:t>Revenue generated from service and parts.</a:t>
-            </a:r>
-          </a:p>
-          <a:p>
-            <a:pPr lvl="1"/>
-            <a:r>
-              <a:rPr lang="en-US" dirty="0" smtClean="0"/>
-              <a:t>Customer satisfaction scores.</a:t>
-            </a:r>
-          </a:p>
-          <a:p>
-            <a:pPr lvl="1"/>
-            <a:r>
-              <a:rPr lang="en-US" dirty="0" smtClean="0"/>
-              <a:t>Outstanding warranty or free service claims.</a:t>
-            </a:r>
-          </a:p>
-          <a:p>
-            <a:pPr lvl="1"/>
-            <a:r>
-              <a:rPr lang="en-US" dirty="0" smtClean="0"/>
-              <a:t>Technician efficiency and productivity.</a:t>
-            </a:r>
-          </a:p>
-          <a:p>
-            <a:endParaRPr lang="en-US" dirty="0"/>
+              <a:t>Spare</a:t>
+            </a:r>
+            <a:r>
+              <a:rPr lang="en-US" b="1" baseline="0" dirty="0" smtClean="0"/>
+              <a:t> Parts Purchase Transaction – </a:t>
+            </a:r>
+            <a:r>
+              <a:rPr lang="en-US" b="0" baseline="0" dirty="0" smtClean="0"/>
+              <a:t>purchase order of the spare parts are handled here. Number of parts required, which parts are required etc.</a:t>
+            </a:r>
+          </a:p>
+          <a:p>
+            <a:r>
+              <a:rPr lang="en-US" b="1" baseline="0" dirty="0" smtClean="0"/>
+              <a:t>Spare Parts Inventory Transaction – </a:t>
+            </a:r>
+            <a:r>
+              <a:rPr lang="en-US" b="0" baseline="0" dirty="0" smtClean="0"/>
+              <a:t>after purchase, when delivery is received inventory management is done(checking/updating of the inventory is done)</a:t>
+            </a:r>
+          </a:p>
+          <a:p>
+            <a:r>
+              <a:rPr lang="en-US" b="1" baseline="0" dirty="0" smtClean="0"/>
+              <a:t>Spare Parts Dashboard – </a:t>
+            </a:r>
+            <a:r>
+              <a:rPr lang="en-US" b="0" baseline="0" dirty="0" smtClean="0"/>
+              <a:t>shows real-time data of the spare parts, eg – number of parts left for engine, chassis etc. Model wise what are the parts left</a:t>
+            </a:r>
+          </a:p>
+          <a:p>
+            <a:r>
+              <a:rPr lang="en-US" b="1" baseline="0" dirty="0" smtClean="0"/>
+              <a:t>Spare Order Quotation – </a:t>
+            </a:r>
+            <a:r>
+              <a:rPr lang="en-US" b="0" baseline="0" dirty="0" smtClean="0"/>
+              <a:t>basically the OEM provides the dealership with the quotation of the part which is to be purchased(how </a:t>
+            </a:r>
+            <a:r>
+              <a:rPr lang="en-US" b="0" baseline="0" dirty="0" smtClean="0"/>
+              <a:t>much cost, product/part details etc), </a:t>
+            </a:r>
+            <a:r>
+              <a:rPr lang="en-US" b="0" baseline="0" dirty="0" smtClean="0"/>
+              <a:t>then the dealer </a:t>
+            </a:r>
+            <a:r>
+              <a:rPr lang="en-US" b="0" baseline="0" dirty="0" smtClean="0"/>
+              <a:t>can put the final order.</a:t>
+            </a:r>
+          </a:p>
+          <a:p>
+            <a:r>
+              <a:rPr lang="en-US" b="1" baseline="0" dirty="0" smtClean="0"/>
+              <a:t>Spare Parts Discrepancy – </a:t>
+            </a:r>
+            <a:r>
+              <a:rPr lang="en-US" b="0" baseline="0" dirty="0" smtClean="0"/>
+              <a:t>in transit the parts are damaged, if ordered part A and received order B, short quantity of order received all claims handled here</a:t>
+            </a:r>
+            <a:endParaRPr lang="en-US" b="1" dirty="0"/>
           </a:p>
         </p:txBody>
       </p:sp>
@@ -1023,7 +841,7 @@
             <a:fld id="{2D29A876-06BB-41EC-9B0F-8FD6E6C83954}" type="slidenum">
               <a:rPr lang="en-US" smtClean="0"/>
               <a:pPr/>
-              <a:t>15</a:t>
+              <a:t>14</a:t>
             </a:fld>
             <a:endParaRPr lang="en-US" dirty="0"/>
           </a:p>
@@ -1083,42 +901,70 @@
           </a:bodyPr>
           <a:lstStyle/>
           <a:p>
-            <a:pPr marL="0" marR="0" indent="0" algn="l" defTabSz="914400" rtl="0" eaLnBrk="1" fontAlgn="auto" latinLnBrk="0" hangingPunct="1">
-              <a:lnSpc>
-                <a:spcPct val="100000"/>
-              </a:lnSpc>
-              <a:spcBef>
-                <a:spcPts val="0"/>
-              </a:spcBef>
-              <a:spcAft>
-                <a:spcPts val="0"/>
-              </a:spcAft>
-              <a:buClrTx/>
-              <a:buSzTx/>
-              <a:buFontTx/>
-              <a:buNone/>
-              <a:tabLst/>
-              <a:defRPr/>
-            </a:pPr>
-            <a:r>
-              <a:rPr lang="en-US" dirty="0" smtClean="0"/>
-              <a:t>ERP - </a:t>
-            </a:r>
-            <a:r>
-              <a:rPr lang="en-US" sz="1200" b="0" i="0" kern="1200" dirty="0" smtClean="0">
-                <a:solidFill>
-                  <a:schemeClr val="tx1"/>
-                </a:solidFill>
-                <a:latin typeface="+mn-lt"/>
-                <a:ea typeface="+mn-ea"/>
-                <a:cs typeface="+mn-cs"/>
-              </a:rPr>
-              <a:t>Enterprise Resource Planning</a:t>
-            </a:r>
-            <a:endParaRPr lang="en-US" dirty="0" smtClean="0"/>
-          </a:p>
-          <a:p>
-            <a:endParaRPr lang="en-US" dirty="0"/>
+            <a:r>
+              <a:rPr lang="en-US" b="1" dirty="0" smtClean="0"/>
+              <a:t>Service</a:t>
+            </a:r>
+            <a:r>
+              <a:rPr lang="en-US" b="1" baseline="0" dirty="0" smtClean="0"/>
+              <a:t> Appointments and CRM - </a:t>
+            </a:r>
+            <a:r>
+              <a:rPr lang="en-US" b="0" baseline="0" dirty="0" smtClean="0"/>
+              <a:t> book an appointment through mobile app/web -&gt; begin the dealership we would know how many appointment are booked and then we can adjust accordingly, (CRM – customer relation model) give remainders to customer that booking is on due date etc.</a:t>
+            </a:r>
+            <a:endParaRPr lang="en-US" b="1" baseline="0" dirty="0"/>
+          </a:p>
+          <a:p>
+            <a:r>
+              <a:rPr lang="en-US" b="1" baseline="0" dirty="0" smtClean="0"/>
+              <a:t>Service Job Card – </a:t>
+            </a:r>
+            <a:r>
+              <a:rPr lang="en-US" b="0" baseline="0" dirty="0" smtClean="0"/>
+              <a:t>job cart is created for the client, eg – cost to service, what service needs to be done, spare parts to be replaced(if needed), time needed, technician to be assigned etc, all of this are managed here.</a:t>
+            </a:r>
+          </a:p>
+          <a:p>
+            <a:r>
+              <a:rPr lang="en-US" b="1" baseline="0" dirty="0" smtClean="0"/>
+              <a:t>Warranty Management –</a:t>
+            </a:r>
+            <a:r>
+              <a:rPr lang="en-US" b="0" baseline="0" dirty="0" smtClean="0"/>
+              <a:t> under warranty so customer will get the service for free but as a dealership the quotation will be generated and would be sent to the OEM for claim.</a:t>
+            </a:r>
+          </a:p>
+          <a:p>
+            <a:r>
+              <a:rPr lang="en-US" b="1" baseline="0" dirty="0" smtClean="0"/>
+              <a:t>Free Service and Warranty Claims – </a:t>
+            </a:r>
+            <a:r>
+              <a:rPr lang="en-US" b="0" baseline="0" dirty="0" smtClean="0"/>
+              <a:t>when vehicle is new free service are given after a certain amount of time duration/number of distance driven/used then the job cart is made and send to the OEM for claims.</a:t>
+            </a:r>
+          </a:p>
+          <a:p>
+            <a:r>
+              <a:rPr lang="en-US" b="1" baseline="0" dirty="0" smtClean="0"/>
+              <a:t>Service Activity Management – </a:t>
+            </a:r>
+            <a:r>
+              <a:rPr lang="en-US" b="0" baseline="0" dirty="0" smtClean="0"/>
+              <a:t>eg – lets say labor cost is free, only the spare parts/service will cost the customer or discounts will be given on certain services(basically related to marketing activities) done to attract the customer. Eg – people who buy tractor generally live far from city, so the dealership come to them and provide discounts on parts and service)</a:t>
+            </a:r>
+          </a:p>
+          <a:p>
+            <a:r>
+              <a:rPr lang="en-US" b="1" baseline="0" dirty="0" smtClean="0"/>
+              <a:t>Service Dashboard – </a:t>
+            </a:r>
+            <a:r>
+              <a:rPr lang="en-US" b="0" baseline="0" dirty="0" smtClean="0"/>
+              <a:t>basically an MIS(management Information System) eg – this month which vehicle came the most for service, which spare part is used the most on the vehicle, which vehicle model came the most – basically gives an analytics of the services done, so the dealer is ready for the next time by keeping parts in stocks.</a:t>
+            </a:r>
+            <a:endParaRPr lang="en-US" b="1" baseline="0" dirty="0" smtClean="0"/>
           </a:p>
         </p:txBody>
       </p:sp>
@@ -1140,7 +986,7 @@
             <a:fld id="{2D29A876-06BB-41EC-9B0F-8FD6E6C83954}" type="slidenum">
               <a:rPr lang="en-US" smtClean="0"/>
               <a:pPr/>
-              <a:t>17</a:t>
+              <a:t>15</a:t>
             </a:fld>
             <a:endParaRPr lang="en-US" dirty="0"/>
           </a:p>
@@ -1200,7 +1046,74 @@
           </a:bodyPr>
           <a:lstStyle/>
           <a:p>
-            <a:endParaRPr lang="en-US" dirty="0"/>
+            <a:pPr marL="0" marR="0" indent="0" algn="l" defTabSz="914400" rtl="0" eaLnBrk="1" fontAlgn="auto" latinLnBrk="0" hangingPunct="1">
+              <a:lnSpc>
+                <a:spcPct val="100000"/>
+              </a:lnSpc>
+              <a:spcBef>
+                <a:spcPts val="0"/>
+              </a:spcBef>
+              <a:spcAft>
+                <a:spcPts val="0"/>
+              </a:spcAft>
+              <a:buClrTx/>
+              <a:buSzTx/>
+              <a:buFontTx/>
+              <a:buNone/>
+              <a:tabLst/>
+              <a:defRPr/>
+            </a:pPr>
+            <a:r>
+              <a:rPr lang="en-US" dirty="0" smtClean="0"/>
+              <a:t>ERP - </a:t>
+            </a:r>
+            <a:r>
+              <a:rPr lang="en-US" sz="1200" b="0" i="0" kern="1200" dirty="0" smtClean="0">
+                <a:solidFill>
+                  <a:schemeClr val="tx1"/>
+                </a:solidFill>
+                <a:latin typeface="+mn-lt"/>
+                <a:ea typeface="+mn-ea"/>
+                <a:cs typeface="+mn-cs"/>
+              </a:rPr>
+              <a:t>Enterprise Resource Planning</a:t>
+            </a:r>
+            <a:endParaRPr lang="en-US" dirty="0" smtClean="0"/>
+          </a:p>
+          <a:p>
+            <a:r>
+              <a:rPr lang="en-US" b="1" dirty="0" smtClean="0"/>
+              <a:t>Integration</a:t>
+            </a:r>
+            <a:r>
+              <a:rPr lang="en-US" b="1" baseline="0" dirty="0" smtClean="0"/>
+              <a:t> with ERP Systems – </a:t>
+            </a:r>
+            <a:r>
+              <a:rPr lang="en-US" b="0" baseline="0" dirty="0" smtClean="0"/>
+              <a:t>OMEs use ERP systems like from oracle, from salesforce etc, can be integrated into dms.</a:t>
+            </a:r>
+          </a:p>
+          <a:p>
+            <a:r>
+              <a:rPr lang="en-US" b="1" baseline="0" dirty="0" smtClean="0"/>
+              <a:t>Customized and Scalable Solution – </a:t>
+            </a:r>
+            <a:r>
+              <a:rPr lang="en-US" b="0" baseline="0" dirty="0" smtClean="0"/>
+              <a:t>basically customer can choose module according to their need and later add different modules to scale up their business.</a:t>
+            </a:r>
+          </a:p>
+          <a:p>
+            <a:r>
+              <a:rPr lang="en-US" b="1" baseline="0" dirty="0" smtClean="0"/>
+              <a:t>High Information Security -  </a:t>
+            </a:r>
+            <a:r>
+              <a:rPr lang="en-US" b="0" baseline="0" dirty="0" smtClean="0"/>
+              <a:t>Roles based accessed, data cannot be created/modified/transferred/destroyed without prior authorization.</a:t>
+            </a:r>
+            <a:endParaRPr lang="en-US" b="1" dirty="0"/>
           </a:p>
         </p:txBody>
       </p:sp>
@@ -1222,7 +1135,89 @@
             <a:fld id="{2D29A876-06BB-41EC-9B0F-8FD6E6C83954}" type="slidenum">
               <a:rPr lang="en-US" smtClean="0"/>
               <a:pPr/>
-              <a:t>18</a:t>
+              <a:t>16</a:t>
+            </a:fld>
+            <a:endParaRPr lang="en-US" dirty="0"/>
+          </a:p>
+        </p:txBody>
+      </p:sp>
+    </p:spTree>
+  </p:cSld>
+  <p:clrMapOvr>
+    <a:masterClrMapping/>
+  </p:clrMapOvr>
+</p:notes>
+</file>
+
+<file path=ppt/notesSlides/notesSlide14.xml><?xml version="1.0" encoding="utf-8"?>
+<p:notes xmlns:a="http://schemas.openxmlformats.org/drawingml/2006/main" xmlns:r="http://schemas.openxmlformats.org/officeDocument/2006/relationships" xmlns:p="http://schemas.openxmlformats.org/presentationml/2006/main">
+  <p:cSld>
+    <p:spTree>
+      <p:nvGrpSpPr>
+        <p:cNvPr id="1" name=""/>
+        <p:cNvGrpSpPr/>
+        <p:nvPr/>
+      </p:nvGrpSpPr>
+      <p:grpSpPr>
+        <a:xfrm>
+          <a:off x="0" y="0"/>
+          <a:ext cx="0" cy="0"/>
+          <a:chOff x="0" y="0"/>
+          <a:chExt cx="0" cy="0"/>
+        </a:xfrm>
+      </p:grpSpPr>
+      <p:sp>
+        <p:nvSpPr>
+          <p:cNvPr id="2" name="Slide Image Placeholder 1"/>
+          <p:cNvSpPr>
+            <a:spLocks noGrp="1" noRot="1" noChangeAspect="1"/>
+          </p:cNvSpPr>
+          <p:nvPr>
+            <p:ph type="sldImg"/>
+          </p:nvPr>
+        </p:nvSpPr>
+        <p:spPr/>
+      </p:sp>
+      <p:sp>
+        <p:nvSpPr>
+          <p:cNvPr id="3" name="Notes Placeholder 2"/>
+          <p:cNvSpPr>
+            <a:spLocks noGrp="1"/>
+          </p:cNvSpPr>
+          <p:nvPr>
+            <p:ph type="body" idx="1"/>
+          </p:nvPr>
+        </p:nvSpPr>
+        <p:spPr/>
+        <p:txBody>
+          <a:bodyPr>
+            <a:normAutofit/>
+          </a:bodyPr>
+          <a:lstStyle/>
+          <a:p>
+            <a:endParaRPr lang="en-US" dirty="0"/>
+          </a:p>
+        </p:txBody>
+      </p:sp>
+      <p:sp>
+        <p:nvSpPr>
+          <p:cNvPr id="4" name="Slide Number Placeholder 3"/>
+          <p:cNvSpPr>
+            <a:spLocks noGrp="1"/>
+          </p:cNvSpPr>
+          <p:nvPr>
+            <p:ph type="sldNum" sz="quarter" idx="10"/>
+          </p:nvPr>
+        </p:nvSpPr>
+        <p:spPr/>
+        <p:txBody>
+          <a:bodyPr/>
+          <a:lstStyle/>
+          <a:p>
+            <a:fld id="{2D29A876-06BB-41EC-9B0F-8FD6E6C83954}" type="slidenum">
+              <a:rPr lang="en-US" smtClean="0"/>
+              <a:pPr/>
+              <a:t>17</a:t>
             </a:fld>
             <a:endParaRPr lang="en-US" dirty="0"/>
           </a:p>
@@ -1284,43 +1279,71 @@
           <a:p>
             <a:r>
               <a:rPr lang="en-US" dirty="0" smtClean="0"/>
-              <a:t>MIS</a:t>
+              <a:t>VIN – vehicle</a:t>
             </a:r>
             <a:r>
               <a:rPr lang="en-US" baseline="0" dirty="0" smtClean="0"/>
-              <a:t> – management information system</a:t>
+              <a:t> Identification Number</a:t>
             </a:r>
           </a:p>
           <a:p>
             <a:r>
               <a:rPr lang="en-US" baseline="0" dirty="0" smtClean="0"/>
-              <a:t>ECN - </a:t>
-            </a:r>
-            <a:r>
-              <a:rPr lang="en-US" dirty="0" smtClean="0"/>
-              <a:t>Engineering Change Notice</a:t>
-            </a:r>
-            <a:endParaRPr lang="en-US" baseline="0" dirty="0" smtClean="0"/>
-          </a:p>
-          <a:p>
-            <a:r>
-              <a:rPr lang="en-US" baseline="0" dirty="0" smtClean="0"/>
-              <a:t>1) Since most of the parts/information is scattered around across different dimension manual logging of data is tedious and tough process.</a:t>
-            </a:r>
-          </a:p>
-          <a:p>
-            <a:r>
-              <a:rPr lang="en-US" baseline="0" dirty="0" smtClean="0"/>
-              <a:t>2) Change updated to part/services would have to done manually.</a:t>
-            </a:r>
-          </a:p>
-          <a:p>
-            <a:r>
-              <a:rPr lang="en-US" baseline="0" dirty="0" smtClean="0"/>
-              <a:t>4) Even if we use excels and spreadsheets to monitor data, most use can’t decode it and maintaining it would be tough.</a:t>
-            </a:r>
-          </a:p>
-          <a:p>
+              <a:t>mCatalog – for mobile apps</a:t>
+            </a:r>
+          </a:p>
+          <a:p>
+            <a:r>
+              <a:rPr lang="en-US" dirty="0" smtClean="0"/>
+              <a:t>PLM - </a:t>
+            </a:r>
+            <a:r>
+              <a:rPr lang="en-US" sz="1200" b="0" i="0" kern="1200" dirty="0" smtClean="0">
+                <a:solidFill>
+                  <a:schemeClr val="tx1"/>
+                </a:solidFill>
+                <a:latin typeface="+mn-lt"/>
+                <a:ea typeface="+mn-ea"/>
+                <a:cs typeface="+mn-cs"/>
+              </a:rPr>
+              <a:t>Product Lifecycle Management(from manufacturing</a:t>
+            </a:r>
+            <a:r>
+              <a:rPr lang="en-US" sz="1200" b="0" i="0" kern="1200" baseline="0" dirty="0" smtClean="0">
+                <a:solidFill>
+                  <a:schemeClr val="tx1"/>
+                </a:solidFill>
+                <a:latin typeface="+mn-lt"/>
+                <a:ea typeface="+mn-ea"/>
+                <a:cs typeface="+mn-cs"/>
+              </a:rPr>
+              <a:t> to service to repairs to discontinuation)</a:t>
+            </a:r>
+            <a:endParaRPr lang="en-US" dirty="0" smtClean="0"/>
+          </a:p>
+          <a:p>
+            <a:r>
+              <a:rPr lang="en-US" dirty="0" smtClean="0"/>
+              <a:t>ERP - </a:t>
+            </a:r>
+            <a:r>
+              <a:rPr lang="en-US" sz="1200" b="0" i="0" kern="1200" dirty="0" smtClean="0">
+                <a:solidFill>
+                  <a:schemeClr val="tx1"/>
+                </a:solidFill>
+                <a:latin typeface="+mn-lt"/>
+                <a:ea typeface="+mn-ea"/>
+                <a:cs typeface="+mn-cs"/>
+              </a:rPr>
+              <a:t>Enterprise Resource Planning (manages the company's resources and processes across various departments like finance, production, and sales)</a:t>
+            </a:r>
+            <a:endParaRPr lang="en-US" dirty="0" smtClean="0"/>
+          </a:p>
+          <a:p>
+            <a:r>
+              <a:rPr lang="en-US" dirty="0" smtClean="0"/>
+              <a:t>DMS  - Dealer Management System</a:t>
+            </a:r>
             <a:endParaRPr lang="en-US" baseline="0" dirty="0" smtClean="0"/>
           </a:p>
         </p:txBody>
@@ -1343,7 +1366,7 @@
             <a:fld id="{2D29A876-06BB-41EC-9B0F-8FD6E6C83954}" type="slidenum">
               <a:rPr lang="en-US" smtClean="0"/>
               <a:pPr/>
-              <a:t>3</a:t>
+              <a:t>2</a:t>
             </a:fld>
             <a:endParaRPr lang="en-US" dirty="0"/>
           </a:p>
@@ -1403,481 +1426,46 @@
           </a:bodyPr>
           <a:lstStyle/>
           <a:p>
-            <a:pPr marL="0" marR="0" indent="0" algn="l" defTabSz="914400" rtl="0" eaLnBrk="1" fontAlgn="auto" latinLnBrk="0" hangingPunct="1">
-              <a:lnSpc>
-                <a:spcPct val="100000"/>
-              </a:lnSpc>
-              <a:spcBef>
-                <a:spcPts val="0"/>
-              </a:spcBef>
-              <a:spcAft>
-                <a:spcPts val="0"/>
-              </a:spcAft>
-              <a:buClrTx/>
-              <a:buSzTx/>
-              <a:buFontTx/>
-              <a:buNone/>
-              <a:tabLst/>
-              <a:defRPr/>
-            </a:pPr>
-            <a:r>
-              <a:rPr lang="en-US" dirty="0" smtClean="0"/>
-              <a:t>BOM – bill of Material. ERP - </a:t>
-            </a:r>
-            <a:r>
-              <a:rPr lang="en-US" sz="1200" b="0" i="0" kern="1200" dirty="0" smtClean="0">
-                <a:solidFill>
-                  <a:schemeClr val="tx1"/>
-                </a:solidFill>
-                <a:latin typeface="+mn-lt"/>
-                <a:ea typeface="+mn-ea"/>
-                <a:cs typeface="+mn-cs"/>
-              </a:rPr>
-              <a:t>Enterprise Resource Planning (manages the company's resources and processes across various departments like finance, production, and sales)</a:t>
-            </a:r>
-          </a:p>
-          <a:p>
-            <a:pPr marL="0" marR="0" indent="0" algn="l" defTabSz="914400" rtl="0" eaLnBrk="1" fontAlgn="auto" latinLnBrk="0" hangingPunct="1">
-              <a:lnSpc>
-                <a:spcPct val="100000"/>
-              </a:lnSpc>
-              <a:spcBef>
-                <a:spcPts val="0"/>
-              </a:spcBef>
-              <a:spcAft>
-                <a:spcPts val="0"/>
-              </a:spcAft>
-              <a:buClrTx/>
-              <a:buSzTx/>
-              <a:buFontTx/>
-              <a:buNone/>
-              <a:tabLst/>
-              <a:defRPr/>
-            </a:pPr>
-            <a:r>
-              <a:rPr lang="en-US" sz="1200" b="0" i="0" kern="1200" dirty="0" smtClean="0">
-                <a:solidFill>
-                  <a:schemeClr val="tx1"/>
-                </a:solidFill>
-                <a:latin typeface="+mn-lt"/>
-                <a:ea typeface="+mn-ea"/>
-                <a:cs typeface="+mn-cs"/>
-              </a:rPr>
-              <a:t>Types</a:t>
-            </a:r>
-            <a:r>
-              <a:rPr lang="en-US" sz="1200" b="0" i="0" kern="1200" baseline="0" dirty="0" smtClean="0">
-                <a:solidFill>
-                  <a:schemeClr val="tx1"/>
-                </a:solidFill>
-                <a:latin typeface="+mn-lt"/>
-                <a:ea typeface="+mn-ea"/>
-                <a:cs typeface="+mn-cs"/>
-              </a:rPr>
-              <a:t> of BOM – mBom(</a:t>
-            </a:r>
-            <a:r>
-              <a:rPr lang="en-US" dirty="0" smtClean="0"/>
-              <a:t>Manufacturing bom), eBom(engineering</a:t>
+            <a:r>
+              <a:rPr lang="en-US" dirty="0" smtClean="0"/>
+              <a:t>MIS</a:t>
             </a:r>
             <a:r>
               <a:rPr lang="en-US" baseline="0" dirty="0" smtClean="0"/>
-              <a:t> bom), sBom(service/maintenance bom)</a:t>
+              <a:t> – management information system</a:t>
             </a:r>
           </a:p>
           <a:p>
             <a:r>
               <a:rPr lang="en-US" baseline="0" dirty="0" smtClean="0"/>
-              <a:t>1) mBom:</a:t>
-            </a:r>
-            <a:br>
+              <a:t>ECN - </a:t>
+            </a:r>
+            <a:r>
+              <a:rPr lang="en-US" dirty="0" smtClean="0"/>
+              <a:t>Engineering Change Notice</a:t>
+            </a:r>
+            <a:endParaRPr lang="en-US" baseline="0" dirty="0" smtClean="0"/>
+          </a:p>
+          <a:p>
+            <a:r>
               <a:rPr lang="en-US" baseline="0" dirty="0" smtClean="0"/>
-            </a:br>
-            <a:r>
-              <a:rPr lang="en-US" dirty="0" smtClean="0"/>
-              <a:t>Used by the </a:t>
-            </a:r>
-            <a:r>
-              <a:rPr lang="en-US" b="1" dirty="0" smtClean="0"/>
-              <a:t>manufacturing team</a:t>
-            </a:r>
-            <a:r>
-              <a:rPr lang="en-US" dirty="0" smtClean="0"/>
-              <a:t>.</a:t>
-            </a:r>
-          </a:p>
-          <a:p>
-            <a:r>
-              <a:rPr lang="en-US" dirty="0" smtClean="0"/>
-              <a:t>Contains </a:t>
-            </a:r>
-            <a:r>
-              <a:rPr lang="en-US" b="1" dirty="0" smtClean="0"/>
-              <a:t>all parts, sub-assemblies, and materials</a:t>
-            </a:r>
-            <a:r>
-              <a:rPr lang="en-US" dirty="0" smtClean="0"/>
-              <a:t> required to build the vehicle — exactly how it will be assembled on the shop floor.</a:t>
-            </a:r>
-          </a:p>
-          <a:p>
-            <a:r>
-              <a:rPr lang="en-US" dirty="0" smtClean="0"/>
-              <a:t>Includes </a:t>
-            </a:r>
-            <a:r>
-              <a:rPr lang="en-US" b="1" dirty="0" smtClean="0"/>
-              <a:t>manufacturing-specific items</a:t>
-            </a:r>
-            <a:r>
-              <a:rPr lang="en-US" dirty="0" smtClean="0"/>
-              <a:t> like fasteners, adhesives, welding materials.</a:t>
-            </a:r>
-          </a:p>
-          <a:p>
-            <a:r>
-              <a:rPr lang="en-US" dirty="0" smtClean="0"/>
-              <a:t>Aligns closely with </a:t>
-            </a:r>
-            <a:r>
-              <a:rPr lang="en-US" b="1" dirty="0" smtClean="0"/>
-              <a:t>process planning and assembly sequences</a:t>
-            </a:r>
-            <a:r>
-              <a:rPr lang="en-US" dirty="0" smtClean="0"/>
-              <a:t>.</a:t>
-            </a:r>
-          </a:p>
-          <a:p>
-            <a:r>
-              <a:rPr lang="en-US" b="1" dirty="0" smtClean="0"/>
-              <a:t>Example</a:t>
-            </a:r>
-            <a:r>
-              <a:rPr lang="en-US" dirty="0" smtClean="0"/>
-              <a:t>: Includes not just the engine but the bolts, brackets, adhesives used to assemble it.</a:t>
-            </a:r>
-          </a:p>
-          <a:p>
-            <a:pPr marL="0" marR="0" indent="0" algn="l" defTabSz="914400" rtl="0" eaLnBrk="1" fontAlgn="auto" latinLnBrk="0" hangingPunct="1">
-              <a:lnSpc>
-                <a:spcPct val="100000"/>
-              </a:lnSpc>
-              <a:spcBef>
-                <a:spcPts val="0"/>
-              </a:spcBef>
-              <a:spcAft>
-                <a:spcPts val="0"/>
-              </a:spcAft>
-              <a:buClrTx/>
-              <a:buSzTx/>
-              <a:buFontTx/>
-              <a:buNone/>
-              <a:tabLst/>
-              <a:defRPr/>
-            </a:pPr>
-            <a:endParaRPr lang="en-US" dirty="0" smtClean="0"/>
-          </a:p>
-          <a:p>
-            <a:pPr marL="0" marR="0" indent="0" algn="l" defTabSz="914400" rtl="0" eaLnBrk="1" fontAlgn="auto" latinLnBrk="0" hangingPunct="1">
-              <a:lnSpc>
-                <a:spcPct val="100000"/>
-              </a:lnSpc>
-              <a:spcBef>
-                <a:spcPts val="0"/>
-              </a:spcBef>
-              <a:spcAft>
-                <a:spcPts val="0"/>
-              </a:spcAft>
-              <a:buClrTx/>
-              <a:buSzTx/>
-              <a:buFontTx/>
-              <a:buNone/>
-              <a:tabLst/>
-              <a:defRPr/>
-            </a:pPr>
-            <a:r>
-              <a:rPr lang="en-US" dirty="0" smtClean="0"/>
-              <a:t>2) eBom:</a:t>
-            </a:r>
-          </a:p>
-          <a:p>
-            <a:r>
-              <a:rPr lang="en-US" dirty="0" smtClean="0"/>
-              <a:t>Created by design and engineering teams.</a:t>
-            </a:r>
-          </a:p>
-          <a:p>
-            <a:r>
-              <a:rPr lang="en-US" dirty="0" smtClean="0"/>
-              <a:t>Based on the vehicle's </a:t>
-            </a:r>
-            <a:r>
-              <a:rPr lang="en-US" b="1" dirty="0" smtClean="0"/>
-              <a:t>CAD models, design drawings, and specifications</a:t>
-            </a:r>
-            <a:r>
-              <a:rPr lang="en-US" dirty="0" smtClean="0"/>
-              <a:t>.</a:t>
-            </a:r>
-          </a:p>
-          <a:p>
-            <a:r>
-              <a:rPr lang="en-US" dirty="0" smtClean="0"/>
-              <a:t>Focuses on the </a:t>
-            </a:r>
-            <a:r>
-              <a:rPr lang="en-US" b="1" dirty="0" smtClean="0"/>
-              <a:t>functional design</a:t>
-            </a:r>
-            <a:r>
-              <a:rPr lang="en-US" dirty="0" smtClean="0"/>
-              <a:t> — how the product should work.</a:t>
-            </a:r>
-          </a:p>
-          <a:p>
-            <a:r>
-              <a:rPr lang="en-US" dirty="0" smtClean="0"/>
-              <a:t>May not include manufacturing-specific details (like fasteners, consumables).</a:t>
-            </a:r>
-          </a:p>
-          <a:p>
-            <a:r>
-              <a:rPr lang="en-US" b="1" dirty="0" smtClean="0"/>
-              <a:t>Example</a:t>
-            </a:r>
-            <a:r>
-              <a:rPr lang="en-US" dirty="0" smtClean="0"/>
-              <a:t>: Lists parts like chassis, engine components, suspension, etc., as per the design intent.</a:t>
-            </a:r>
-          </a:p>
-          <a:p>
-            <a:pPr marL="0" marR="0" indent="0" algn="l" defTabSz="914400" rtl="0" eaLnBrk="1" fontAlgn="auto" latinLnBrk="0" hangingPunct="1">
-              <a:lnSpc>
-                <a:spcPct val="100000"/>
-              </a:lnSpc>
-              <a:spcBef>
-                <a:spcPts val="0"/>
-              </a:spcBef>
-              <a:spcAft>
-                <a:spcPts val="0"/>
-              </a:spcAft>
-              <a:buClrTx/>
-              <a:buSzTx/>
-              <a:buFontTx/>
-              <a:buNone/>
-              <a:tabLst/>
-              <a:defRPr/>
-            </a:pPr>
-            <a:endParaRPr lang="en-US" dirty="0" smtClean="0"/>
-          </a:p>
-          <a:p>
-            <a:pPr marL="0" marR="0" indent="0" algn="l" defTabSz="914400" rtl="0" eaLnBrk="1" fontAlgn="auto" latinLnBrk="0" hangingPunct="1">
-              <a:lnSpc>
-                <a:spcPct val="100000"/>
-              </a:lnSpc>
-              <a:spcBef>
-                <a:spcPts val="0"/>
-              </a:spcBef>
-              <a:spcAft>
-                <a:spcPts val="0"/>
-              </a:spcAft>
-              <a:buClrTx/>
-              <a:buSzTx/>
-              <a:buFontTx/>
-              <a:buNone/>
-              <a:tabLst/>
-              <a:defRPr/>
-            </a:pPr>
-            <a:r>
-              <a:rPr lang="en-US" dirty="0" smtClean="0"/>
-              <a:t>3) sBom:</a:t>
-            </a:r>
+              <a:t>1) Since most of the parts/information is scattered around across different dimension manual logging of data is tedious and tough process.</a:t>
+            </a:r>
+          </a:p>
+          <a:p>
             <a:r>
               <a:rPr lang="en-US" baseline="0" dirty="0" smtClean="0"/>
-              <a:t> </a:t>
-            </a:r>
-            <a:endParaRPr lang="en-US" dirty="0" smtClean="0"/>
-          </a:p>
-          <a:p>
-            <a:r>
-              <a:rPr lang="en-US" dirty="0" smtClean="0"/>
-              <a:t>Used by the </a:t>
-            </a:r>
-            <a:r>
-              <a:rPr lang="en-US" b="1" dirty="0" smtClean="0"/>
-              <a:t>after-sales and service departments</a:t>
-            </a:r>
-            <a:r>
-              <a:rPr lang="en-US" dirty="0" smtClean="0"/>
-              <a:t>.</a:t>
-            </a:r>
-          </a:p>
-          <a:p>
-            <a:r>
-              <a:rPr lang="en-US" dirty="0" smtClean="0"/>
-              <a:t>Lists parts that are </a:t>
-            </a:r>
-            <a:r>
-              <a:rPr lang="en-US" b="1" dirty="0" smtClean="0"/>
-              <a:t>replaceable or serviceable</a:t>
-            </a:r>
-            <a:r>
-              <a:rPr lang="en-US" dirty="0" smtClean="0"/>
-              <a:t> during the vehicle’s lifecycle.</a:t>
-            </a:r>
-          </a:p>
-          <a:p>
-            <a:r>
-              <a:rPr lang="en-US" dirty="0" smtClean="0"/>
-              <a:t>Helps in ordering spare parts and maintenance planning.</a:t>
-            </a:r>
-          </a:p>
-          <a:p>
-            <a:r>
-              <a:rPr lang="en-US" b="1" dirty="0" smtClean="0"/>
-              <a:t>Example</a:t>
-            </a:r>
-            <a:r>
-              <a:rPr lang="en-US" dirty="0" smtClean="0"/>
-              <a:t>: Brake pads, oil filters, spark plugs — components that require regular replacement.</a:t>
-            </a:r>
-          </a:p>
-          <a:p>
-            <a:pPr marL="0" marR="0" indent="0" algn="l" defTabSz="914400" rtl="0" eaLnBrk="1" fontAlgn="auto" latinLnBrk="0" hangingPunct="1">
-              <a:lnSpc>
-                <a:spcPct val="100000"/>
-              </a:lnSpc>
-              <a:spcBef>
-                <a:spcPts val="0"/>
-              </a:spcBef>
-              <a:spcAft>
-                <a:spcPts val="0"/>
-              </a:spcAft>
-              <a:buClrTx/>
-              <a:buSzTx/>
-              <a:buFontTx/>
-              <a:buNone/>
-              <a:tabLst/>
-              <a:defRPr/>
-            </a:pPr>
-            <a:endParaRPr lang="en-US" dirty="0" smtClean="0"/>
-          </a:p>
-          <a:p>
-            <a:r>
-              <a:rPr lang="en-US" b="1" dirty="0" smtClean="0"/>
-              <a:t>Hotspot</a:t>
-            </a:r>
-            <a:r>
-              <a:rPr lang="en-US" dirty="0" smtClean="0"/>
-              <a:t> = Clickable point on an image.</a:t>
-            </a:r>
-            <a:br>
-              <a:rPr lang="en-US" dirty="0" smtClean="0"/>
-            </a:br>
-            <a:r>
-              <a:rPr lang="en-US" b="1" dirty="0" smtClean="0"/>
-              <a:t>Linked with BOM</a:t>
-            </a:r>
-            <a:r>
-              <a:rPr lang="en-US" dirty="0" smtClean="0"/>
-              <a:t> = Pulls part data automatically when you click it.</a:t>
-            </a:r>
-          </a:p>
-          <a:p>
-            <a:r>
-              <a:rPr lang="en-US" b="1" dirty="0" smtClean="0"/>
-              <a:t>Hotspots</a:t>
-            </a:r>
-            <a:r>
-              <a:rPr lang="en-US" dirty="0" smtClean="0"/>
-              <a:t> are </a:t>
-            </a:r>
-            <a:r>
-              <a:rPr lang="en-US" b="1" dirty="0" smtClean="0"/>
-              <a:t>clickable points</a:t>
-            </a:r>
-            <a:r>
-              <a:rPr lang="en-US" dirty="0" smtClean="0"/>
-              <a:t> placed directly on parts in that illustration (like a dot or small clickable icon). When we</a:t>
-            </a:r>
+              <a:t>2) Change updated to part/services would have to done manually.</a:t>
+            </a:r>
+          </a:p>
+          <a:p>
             <a:r>
               <a:rPr lang="en-US" baseline="0" dirty="0" smtClean="0"/>
-              <a:t> </a:t>
-            </a:r>
-            <a:r>
-              <a:rPr lang="en-US" dirty="0" smtClean="0"/>
-              <a:t>click a </a:t>
-            </a:r>
-            <a:r>
-              <a:rPr lang="en-US" b="1" dirty="0" smtClean="0"/>
-              <a:t>hotspot</a:t>
-            </a:r>
-            <a:r>
-              <a:rPr lang="en-US" dirty="0" smtClean="0"/>
-              <a:t> (on a part in the image), it automatically shows </a:t>
-            </a:r>
-            <a:r>
-              <a:rPr lang="en-US" b="1" dirty="0" smtClean="0"/>
-              <a:t>detailed information</a:t>
-            </a:r>
-            <a:r>
-              <a:rPr lang="en-US" dirty="0" smtClean="0"/>
-              <a:t> about that part, pulled from the </a:t>
-            </a:r>
-            <a:r>
-              <a:rPr lang="en-US" b="1" dirty="0" smtClean="0"/>
-              <a:t>BOM (Bill of Materials)</a:t>
-            </a:r>
-            <a:r>
-              <a:rPr lang="en-US" dirty="0" smtClean="0"/>
-              <a:t> — such as:</a:t>
-            </a:r>
-          </a:p>
-          <a:p>
-            <a:pPr lvl="1"/>
-            <a:r>
-              <a:rPr lang="en-US" dirty="0" smtClean="0"/>
-              <a:t>Part Name</a:t>
-            </a:r>
-          </a:p>
-          <a:p>
-            <a:pPr lvl="1"/>
-            <a:r>
-              <a:rPr lang="en-US" dirty="0" smtClean="0"/>
-              <a:t>Part Number</a:t>
-            </a:r>
-          </a:p>
-          <a:p>
-            <a:pPr lvl="1"/>
-            <a:r>
-              <a:rPr lang="en-US" dirty="0" smtClean="0"/>
-              <a:t>Description</a:t>
-            </a:r>
-          </a:p>
-          <a:p>
-            <a:pPr lvl="1"/>
-            <a:r>
-              <a:rPr lang="en-US" dirty="0" smtClean="0"/>
-              <a:t>MRP / MOQ (price, minimum quantity)</a:t>
-            </a:r>
-          </a:p>
-          <a:p>
-            <a:pPr lvl="1"/>
-            <a:r>
-              <a:rPr lang="en-US" dirty="0" smtClean="0"/>
-              <a:t>Availability</a:t>
-            </a:r>
-          </a:p>
-          <a:p>
-            <a:pPr lvl="1"/>
-            <a:r>
-              <a:rPr lang="en-US" dirty="0" smtClean="0"/>
-              <a:t>Fitment details (which models it fits)</a:t>
-            </a:r>
-          </a:p>
-          <a:p>
-            <a:endParaRPr lang="en-US" dirty="0"/>
+              <a:t>4) Even if we use excels and spreadsheets to monitor data, most use can’t decode it and maintaining it would be tough.</a:t>
+            </a:r>
+          </a:p>
+          <a:p>
+            <a:endParaRPr lang="en-US" baseline="0" dirty="0" smtClean="0"/>
           </a:p>
         </p:txBody>
       </p:sp>
@@ -1899,7 +1487,7 @@
             <a:fld id="{2D29A876-06BB-41EC-9B0F-8FD6E6C83954}" type="slidenum">
               <a:rPr lang="en-US" smtClean="0"/>
               <a:pPr/>
-              <a:t>4</a:t>
+              <a:t>3</a:t>
             </a:fld>
             <a:endParaRPr lang="en-US" dirty="0"/>
           </a:p>
@@ -1959,19 +1547,26 @@
           </a:bodyPr>
           <a:lstStyle/>
           <a:p>
-            <a:r>
-              <a:rPr lang="en-US" dirty="0" smtClean="0"/>
-              <a:t>VIN – vehicle</a:t>
-            </a:r>
-            <a:r>
-              <a:rPr lang="en-US" baseline="0" dirty="0" smtClean="0"/>
-              <a:t> Identification Number</a:t>
-            </a:r>
-          </a:p>
-          <a:p>
-            <a:r>
-              <a:rPr lang="en-US" baseline="0" dirty="0" smtClean="0"/>
-              <a:t>ECN - </a:t>
+            <a:pPr marL="0" marR="0" indent="0" algn="l" defTabSz="914400" rtl="0" eaLnBrk="1" fontAlgn="auto" latinLnBrk="0" hangingPunct="1">
+              <a:lnSpc>
+                <a:spcPct val="100000"/>
+              </a:lnSpc>
+              <a:spcBef>
+                <a:spcPts val="0"/>
+              </a:spcBef>
+              <a:spcAft>
+                <a:spcPts val="0"/>
+              </a:spcAft>
+              <a:buClrTx/>
+              <a:buSzTx/>
+              <a:buFontTx/>
+              <a:buNone/>
+              <a:tabLst/>
+              <a:defRPr/>
+            </a:pPr>
+            <a:r>
+              <a:rPr lang="en-US" dirty="0" smtClean="0"/>
+              <a:t>BOM – bill of Material. ERP - </a:t>
             </a:r>
             <a:r>
               <a:rPr lang="en-US" sz="1200" b="0" i="0" kern="1200" dirty="0" smtClean="0">
@@ -1982,9 +1577,451 @@
                 <a:ea typeface="+mn-ea"/>
                 <a:cs typeface="+mn-cs"/>
               </a:rPr>
-              <a:t>Engineering Change Notice(An ECN is a document that communicates changes to a product's design, specifications, materials, or manufacturing processes. These changes are typically tracked and managed to ensure that all stakeholders are aware of the changes and that they are implemented correctly. )</a:t>
-            </a:r>
-            <a:endParaRPr lang="en-US" baseline="0" dirty="0" smtClean="0"/>
+              <a:t>Enterprise Resource Planning (manages the company's resources and processes across various departments like finance, production, and sales)</a:t>
+            </a:r>
+          </a:p>
+          <a:p>
+            <a:pPr marL="0" marR="0" indent="0" algn="l" defTabSz="914400" rtl="0" eaLnBrk="1" fontAlgn="auto" latinLnBrk="0" hangingPunct="1">
+              <a:lnSpc>
+                <a:spcPct val="100000"/>
+              </a:lnSpc>
+              <a:spcBef>
+                <a:spcPts val="0"/>
+              </a:spcBef>
+              <a:spcAft>
+                <a:spcPts val="0"/>
+              </a:spcAft>
+              <a:buClrTx/>
+              <a:buSzTx/>
+              <a:buFontTx/>
+              <a:buNone/>
+              <a:tabLst/>
+              <a:defRPr/>
+            </a:pPr>
+            <a:r>
+              <a:rPr lang="en-US" sz="1200" b="0" i="0" kern="1200" dirty="0" smtClean="0">
+                <a:solidFill>
+                  <a:schemeClr val="tx1"/>
+                </a:solidFill>
+                <a:latin typeface="+mn-lt"/>
+                <a:ea typeface="+mn-ea"/>
+                <a:cs typeface="+mn-cs"/>
+              </a:rPr>
+              <a:t>Types</a:t>
+            </a:r>
+            <a:r>
+              <a:rPr lang="en-US" sz="1200" b="0" i="0" kern="1200" baseline="0" dirty="0" smtClean="0">
+                <a:solidFill>
+                  <a:schemeClr val="tx1"/>
+                </a:solidFill>
+                <a:latin typeface="+mn-lt"/>
+                <a:ea typeface="+mn-ea"/>
+                <a:cs typeface="+mn-cs"/>
+              </a:rPr>
+              <a:t> of BOM – mBom(</a:t>
+            </a:r>
+            <a:r>
+              <a:rPr lang="en-US" dirty="0" smtClean="0"/>
+              <a:t>Manufacturing bom), eBom(engineering</a:t>
+            </a:r>
+            <a:r>
+              <a:rPr lang="en-US" baseline="0" dirty="0" smtClean="0"/>
+              <a:t> bom), sBom(service/maintenance bom)</a:t>
+            </a:r>
+          </a:p>
+          <a:p>
+            <a:r>
+              <a:rPr lang="en-US" baseline="0" dirty="0" smtClean="0"/>
+              <a:t>1) mBom:</a:t>
+            </a:r>
+            <a:br>
+              <a:rPr lang="en-US" baseline="0" dirty="0" smtClean="0"/>
+            </a:br>
+            <a:r>
+              <a:rPr lang="en-US" dirty="0" smtClean="0"/>
+              <a:t>Used by the </a:t>
+            </a:r>
+            <a:r>
+              <a:rPr lang="en-US" b="1" dirty="0" smtClean="0"/>
+              <a:t>manufacturing team</a:t>
+            </a:r>
+            <a:r>
+              <a:rPr lang="en-US" dirty="0" smtClean="0"/>
+              <a:t>.</a:t>
+            </a:r>
+          </a:p>
+          <a:p>
+            <a:r>
+              <a:rPr lang="en-US" dirty="0" smtClean="0"/>
+              <a:t>Contains </a:t>
+            </a:r>
+            <a:r>
+              <a:rPr lang="en-US" b="1" dirty="0" smtClean="0"/>
+              <a:t>all parts, sub-assemblies, and materials</a:t>
+            </a:r>
+            <a:r>
+              <a:rPr lang="en-US" dirty="0" smtClean="0"/>
+              <a:t> required to build the vehicle — exactly how it will be assembled on the shop floor.</a:t>
+            </a:r>
+          </a:p>
+          <a:p>
+            <a:r>
+              <a:rPr lang="en-US" dirty="0" smtClean="0"/>
+              <a:t>Includes </a:t>
+            </a:r>
+            <a:r>
+              <a:rPr lang="en-US" b="1" dirty="0" smtClean="0"/>
+              <a:t>manufacturing-specific items</a:t>
+            </a:r>
+            <a:r>
+              <a:rPr lang="en-US" dirty="0" smtClean="0"/>
+              <a:t> like fasteners, adhesives, welding materials.</a:t>
+            </a:r>
+          </a:p>
+          <a:p>
+            <a:r>
+              <a:rPr lang="en-US" dirty="0" smtClean="0"/>
+              <a:t>Aligns closely with </a:t>
+            </a:r>
+            <a:r>
+              <a:rPr lang="en-US" b="1" dirty="0" smtClean="0"/>
+              <a:t>process planning and assembly sequences</a:t>
+            </a:r>
+            <a:r>
+              <a:rPr lang="en-US" dirty="0" smtClean="0"/>
+              <a:t>.</a:t>
+            </a:r>
+          </a:p>
+          <a:p>
+            <a:r>
+              <a:rPr lang="en-US" b="1" dirty="0" smtClean="0"/>
+              <a:t>Example</a:t>
+            </a:r>
+            <a:r>
+              <a:rPr lang="en-US" dirty="0" smtClean="0"/>
+              <a:t>: Includes not just the engine but the bolts, brackets, adhesives used to assemble it.</a:t>
+            </a:r>
+          </a:p>
+          <a:p>
+            <a:pPr marL="0" marR="0" indent="0" algn="l" defTabSz="914400" rtl="0" eaLnBrk="1" fontAlgn="auto" latinLnBrk="0" hangingPunct="1">
+              <a:lnSpc>
+                <a:spcPct val="100000"/>
+              </a:lnSpc>
+              <a:spcBef>
+                <a:spcPts val="0"/>
+              </a:spcBef>
+              <a:spcAft>
+                <a:spcPts val="0"/>
+              </a:spcAft>
+              <a:buClrTx/>
+              <a:buSzTx/>
+              <a:buFontTx/>
+              <a:buNone/>
+              <a:tabLst/>
+              <a:defRPr/>
+            </a:pPr>
+            <a:endParaRPr lang="en-US" dirty="0" smtClean="0"/>
+          </a:p>
+          <a:p>
+            <a:pPr marL="0" marR="0" indent="0" algn="l" defTabSz="914400" rtl="0" eaLnBrk="1" fontAlgn="auto" latinLnBrk="0" hangingPunct="1">
+              <a:lnSpc>
+                <a:spcPct val="100000"/>
+              </a:lnSpc>
+              <a:spcBef>
+                <a:spcPts val="0"/>
+              </a:spcBef>
+              <a:spcAft>
+                <a:spcPts val="0"/>
+              </a:spcAft>
+              <a:buClrTx/>
+              <a:buSzTx/>
+              <a:buFontTx/>
+              <a:buNone/>
+              <a:tabLst/>
+              <a:defRPr/>
+            </a:pPr>
+            <a:r>
+              <a:rPr lang="en-US" dirty="0" smtClean="0"/>
+              <a:t>2) eBom:</a:t>
+            </a:r>
+          </a:p>
+          <a:p>
+            <a:r>
+              <a:rPr lang="en-US" dirty="0" smtClean="0"/>
+              <a:t>Created by design and engineering teams.</a:t>
+            </a:r>
+          </a:p>
+          <a:p>
+            <a:r>
+              <a:rPr lang="en-US" dirty="0" smtClean="0"/>
+              <a:t>Based on the vehicle's </a:t>
+            </a:r>
+            <a:r>
+              <a:rPr lang="en-US" b="1" dirty="0" smtClean="0"/>
+              <a:t>CAD models, design drawings, and specifications</a:t>
+            </a:r>
+            <a:r>
+              <a:rPr lang="en-US" dirty="0" smtClean="0"/>
+              <a:t>.</a:t>
+            </a:r>
+          </a:p>
+          <a:p>
+            <a:r>
+              <a:rPr lang="en-US" dirty="0" smtClean="0"/>
+              <a:t>Focuses on the </a:t>
+            </a:r>
+            <a:r>
+              <a:rPr lang="en-US" b="1" dirty="0" smtClean="0"/>
+              <a:t>functional design</a:t>
+            </a:r>
+            <a:r>
+              <a:rPr lang="en-US" dirty="0" smtClean="0"/>
+              <a:t> — how the product should work.</a:t>
+            </a:r>
+          </a:p>
+          <a:p>
+            <a:r>
+              <a:rPr lang="en-US" dirty="0" smtClean="0"/>
+              <a:t>May not include manufacturing-specific details (like fasteners, consumables).</a:t>
+            </a:r>
+          </a:p>
+          <a:p>
+            <a:r>
+              <a:rPr lang="en-US" b="1" dirty="0" smtClean="0"/>
+              <a:t>Example</a:t>
+            </a:r>
+            <a:r>
+              <a:rPr lang="en-US" dirty="0" smtClean="0"/>
+              <a:t>: Lists parts like chassis, engine components, suspension, etc., as per the design intent.</a:t>
+            </a:r>
+          </a:p>
+          <a:p>
+            <a:pPr marL="0" marR="0" indent="0" algn="l" defTabSz="914400" rtl="0" eaLnBrk="1" fontAlgn="auto" latinLnBrk="0" hangingPunct="1">
+              <a:lnSpc>
+                <a:spcPct val="100000"/>
+              </a:lnSpc>
+              <a:spcBef>
+                <a:spcPts val="0"/>
+              </a:spcBef>
+              <a:spcAft>
+                <a:spcPts val="0"/>
+              </a:spcAft>
+              <a:buClrTx/>
+              <a:buSzTx/>
+              <a:buFontTx/>
+              <a:buNone/>
+              <a:tabLst/>
+              <a:defRPr/>
+            </a:pPr>
+            <a:endParaRPr lang="en-US" dirty="0" smtClean="0"/>
+          </a:p>
+          <a:p>
+            <a:pPr marL="0" marR="0" indent="0" algn="l" defTabSz="914400" rtl="0" eaLnBrk="1" fontAlgn="auto" latinLnBrk="0" hangingPunct="1">
+              <a:lnSpc>
+                <a:spcPct val="100000"/>
+              </a:lnSpc>
+              <a:spcBef>
+                <a:spcPts val="0"/>
+              </a:spcBef>
+              <a:spcAft>
+                <a:spcPts val="0"/>
+              </a:spcAft>
+              <a:buClrTx/>
+              <a:buSzTx/>
+              <a:buFontTx/>
+              <a:buNone/>
+              <a:tabLst/>
+              <a:defRPr/>
+            </a:pPr>
+            <a:r>
+              <a:rPr lang="en-US" dirty="0" smtClean="0"/>
+              <a:t>3) sBom:</a:t>
+            </a:r>
+            <a:r>
+              <a:rPr lang="en-US" baseline="0" dirty="0" smtClean="0"/>
+              <a:t> </a:t>
+            </a:r>
+            <a:endParaRPr lang="en-US" dirty="0" smtClean="0"/>
+          </a:p>
+          <a:p>
+            <a:r>
+              <a:rPr lang="en-US" dirty="0" smtClean="0"/>
+              <a:t>Used by the </a:t>
+            </a:r>
+            <a:r>
+              <a:rPr lang="en-US" b="1" dirty="0" smtClean="0"/>
+              <a:t>after-sales and service departments</a:t>
+            </a:r>
+            <a:r>
+              <a:rPr lang="en-US" dirty="0" smtClean="0"/>
+              <a:t>.</a:t>
+            </a:r>
+          </a:p>
+          <a:p>
+            <a:r>
+              <a:rPr lang="en-US" dirty="0" smtClean="0"/>
+              <a:t>Lists parts that are </a:t>
+            </a:r>
+            <a:r>
+              <a:rPr lang="en-US" b="1" dirty="0" smtClean="0"/>
+              <a:t>replaceable or serviceable</a:t>
+            </a:r>
+            <a:r>
+              <a:rPr lang="en-US" dirty="0" smtClean="0"/>
+              <a:t> during the vehicle’s lifecycle.</a:t>
+            </a:r>
+          </a:p>
+          <a:p>
+            <a:r>
+              <a:rPr lang="en-US" dirty="0" smtClean="0"/>
+              <a:t>Helps in ordering spare parts and maintenance planning.</a:t>
+            </a:r>
+          </a:p>
+          <a:p>
+            <a:r>
+              <a:rPr lang="en-US" b="1" dirty="0" smtClean="0"/>
+              <a:t>Example</a:t>
+            </a:r>
+            <a:r>
+              <a:rPr lang="en-US" dirty="0" smtClean="0"/>
+              <a:t>: Brake pads, oil filters, spark plugs — components that require regular replacement.</a:t>
+            </a:r>
+          </a:p>
+          <a:p>
+            <a:pPr marL="0" marR="0" indent="0" algn="l" defTabSz="914400" rtl="0" eaLnBrk="1" fontAlgn="auto" latinLnBrk="0" hangingPunct="1">
+              <a:lnSpc>
+                <a:spcPct val="100000"/>
+              </a:lnSpc>
+              <a:spcBef>
+                <a:spcPts val="0"/>
+              </a:spcBef>
+              <a:spcAft>
+                <a:spcPts val="0"/>
+              </a:spcAft>
+              <a:buClrTx/>
+              <a:buSzTx/>
+              <a:buFontTx/>
+              <a:buNone/>
+              <a:tabLst/>
+              <a:defRPr/>
+            </a:pPr>
+            <a:endParaRPr lang="en-US" dirty="0" smtClean="0"/>
+          </a:p>
+          <a:p>
+            <a:r>
+              <a:rPr lang="en-US" b="1" dirty="0" smtClean="0"/>
+              <a:t>Hotspot</a:t>
+            </a:r>
+            <a:r>
+              <a:rPr lang="en-US" dirty="0" smtClean="0"/>
+              <a:t> = Clickable point on an image.</a:t>
+            </a:r>
+            <a:br>
+              <a:rPr lang="en-US" dirty="0" smtClean="0"/>
+            </a:br>
+            <a:r>
+              <a:rPr lang="en-US" b="1" dirty="0" smtClean="0"/>
+              <a:t>Linked with BOM</a:t>
+            </a:r>
+            <a:r>
+              <a:rPr lang="en-US" dirty="0" smtClean="0"/>
+              <a:t> = Pulls part data automatically when you click it.</a:t>
+            </a:r>
+          </a:p>
+          <a:p>
+            <a:r>
+              <a:rPr lang="en-US" b="1" dirty="0" smtClean="0"/>
+              <a:t>Hotspots</a:t>
+            </a:r>
+            <a:r>
+              <a:rPr lang="en-US" dirty="0" smtClean="0"/>
+              <a:t> are </a:t>
+            </a:r>
+            <a:r>
+              <a:rPr lang="en-US" b="1" dirty="0" smtClean="0"/>
+              <a:t>clickable points</a:t>
+            </a:r>
+            <a:r>
+              <a:rPr lang="en-US" dirty="0" smtClean="0"/>
+              <a:t> placed directly on parts in that illustration (like a dot or small clickable icon). When we</a:t>
+            </a:r>
+            <a:r>
+              <a:rPr lang="en-US" baseline="0" dirty="0" smtClean="0"/>
+              <a:t> </a:t>
+            </a:r>
+            <a:r>
+              <a:rPr lang="en-US" dirty="0" smtClean="0"/>
+              <a:t>click a </a:t>
+            </a:r>
+            <a:r>
+              <a:rPr lang="en-US" b="1" dirty="0" smtClean="0"/>
+              <a:t>hotspot</a:t>
+            </a:r>
+            <a:r>
+              <a:rPr lang="en-US" dirty="0" smtClean="0"/>
+              <a:t> (on a part in the image), it automatically shows </a:t>
+            </a:r>
+            <a:r>
+              <a:rPr lang="en-US" b="1" dirty="0" smtClean="0"/>
+              <a:t>detailed information</a:t>
+            </a:r>
+            <a:r>
+              <a:rPr lang="en-US" dirty="0" smtClean="0"/>
+              <a:t> about that part, pulled from the </a:t>
+            </a:r>
+            <a:r>
+              <a:rPr lang="en-US" b="1" dirty="0" smtClean="0"/>
+              <a:t>BOM (Bill of Materials)</a:t>
+            </a:r>
+            <a:r>
+              <a:rPr lang="en-US" dirty="0" smtClean="0"/>
+              <a:t> — such as:</a:t>
+            </a:r>
+          </a:p>
+          <a:p>
+            <a:pPr lvl="1"/>
+            <a:r>
+              <a:rPr lang="en-US" dirty="0" smtClean="0"/>
+              <a:t>Part Name</a:t>
+            </a:r>
+          </a:p>
+          <a:p>
+            <a:pPr lvl="1"/>
+            <a:r>
+              <a:rPr lang="en-US" dirty="0" smtClean="0"/>
+              <a:t>Part Number</a:t>
+            </a:r>
+          </a:p>
+          <a:p>
+            <a:pPr lvl="1"/>
+            <a:r>
+              <a:rPr lang="en-US" dirty="0" smtClean="0"/>
+              <a:t>Description</a:t>
+            </a:r>
+          </a:p>
+          <a:p>
+            <a:pPr lvl="1"/>
+            <a:r>
+              <a:rPr lang="en-US" dirty="0" smtClean="0"/>
+              <a:t>MRP / MOQ (price, minimum quantity)</a:t>
+            </a:r>
+          </a:p>
+          <a:p>
+            <a:pPr lvl="1"/>
+            <a:r>
+              <a:rPr lang="en-US" dirty="0" smtClean="0"/>
+              <a:t>Availability</a:t>
+            </a:r>
+          </a:p>
+          <a:p>
+            <a:pPr lvl="1"/>
+            <a:r>
+              <a:rPr lang="en-US" dirty="0" smtClean="0"/>
+              <a:t>Fitment details (which models it fits)</a:t>
+            </a:r>
+          </a:p>
+          <a:p>
+            <a:endParaRPr lang="en-US" dirty="0"/>
           </a:p>
         </p:txBody>
       </p:sp>
@@ -2006,7 +2043,7 @@
             <a:fld id="{2D29A876-06BB-41EC-9B0F-8FD6E6C83954}" type="slidenum">
               <a:rPr lang="en-US" smtClean="0"/>
               <a:pPr/>
-              <a:t>5</a:t>
+              <a:t>4</a:t>
             </a:fld>
             <a:endParaRPr lang="en-US" dirty="0"/>
           </a:p>
@@ -2068,11 +2105,17 @@
           <a:p>
             <a:r>
               <a:rPr lang="en-US" dirty="0" smtClean="0"/>
-              <a:t>ECN</a:t>
+              <a:t>VIN – vehicle</a:t>
             </a:r>
             <a:r>
               <a:rPr lang="en-US" baseline="0" dirty="0" smtClean="0"/>
-              <a:t> - </a:t>
+              <a:t> Identification Number</a:t>
+            </a:r>
+          </a:p>
+          <a:p>
+            <a:r>
+              <a:rPr lang="en-US" baseline="0" dirty="0" smtClean="0"/>
+              <a:t>ECN - </a:t>
             </a:r>
             <a:r>
               <a:rPr lang="en-US" sz="1200" b="0" i="0" kern="1200" dirty="0" smtClean="0">
@@ -2083,24 +2126,9 @@
                 <a:ea typeface="+mn-ea"/>
                 <a:cs typeface="+mn-cs"/>
               </a:rPr>
-              <a:t>Engineering Change Notice(</a:t>
-            </a:r>
-            <a:r>
-              <a:rPr lang="en-US" dirty="0" smtClean="0"/>
-              <a:t>a document that communicates approved changes to a product's design, specifications, or manufacturing process</a:t>
-            </a:r>
-            <a:r>
-              <a:rPr lang="en-US" sz="1200" b="0" i="0" kern="1200" dirty="0" smtClean="0">
-                <a:solidFill>
-                  <a:schemeClr val="tx1"/>
-                </a:solidFill>
-                <a:latin typeface="+mn-lt"/>
-                <a:ea typeface="+mn-ea"/>
-                <a:cs typeface="+mn-cs"/>
-              </a:rPr>
-              <a:t>. It ensures all stakeholders are aware of the modification and authorizes implementation. )</a:t>
-            </a:r>
-            <a:endParaRPr lang="en-US" dirty="0"/>
+              <a:t>Engineering Change Notice(An ECN is a document that communicates changes to a product's design, specifications, materials, or manufacturing processes. These changes are typically tracked and managed to ensure that all stakeholders are aware of the changes and that they are implemented correctly. )</a:t>
+            </a:r>
+            <a:endParaRPr lang="en-US" baseline="0" dirty="0" smtClean="0"/>
           </a:p>
         </p:txBody>
       </p:sp>
@@ -2122,7 +2150,7 @@
             <a:fld id="{2D29A876-06BB-41EC-9B0F-8FD6E6C83954}" type="slidenum">
               <a:rPr lang="en-US" smtClean="0"/>
               <a:pPr/>
-              <a:t>6</a:t>
+              <a:t>5</a:t>
             </a:fld>
             <a:endParaRPr lang="en-US" dirty="0"/>
           </a:p>
@@ -2183,103 +2211,39 @@
           <a:lstStyle/>
           <a:p>
             <a:r>
-              <a:rPr lang="en-US" b="1" dirty="0" smtClean="0"/>
-              <a:t>Service Information Module</a:t>
-            </a:r>
-            <a:r>
-              <a:rPr lang="en-US" dirty="0" smtClean="0"/>
-              <a:t> here refers to an </a:t>
-            </a:r>
-            <a:r>
-              <a:rPr lang="en-US" b="1" dirty="0" smtClean="0"/>
-              <a:t>enterprise system</a:t>
-            </a:r>
-            <a:r>
-              <a:rPr lang="en-US" dirty="0" smtClean="0"/>
-              <a:t> (used by automotive manufacturers) that helps </a:t>
-            </a:r>
-            <a:r>
-              <a:rPr lang="en-US" b="1" dirty="0" smtClean="0"/>
-              <a:t>manage, create, and distribute</a:t>
-            </a:r>
-            <a:r>
-              <a:rPr lang="en-US" dirty="0" smtClean="0"/>
-              <a:t> all kinds of service-related content to technicians, dealerships, and customers.</a:t>
-            </a:r>
-          </a:p>
-          <a:p>
-            <a:endParaRPr lang="en-US" dirty="0" smtClean="0"/>
-          </a:p>
-          <a:p>
-            <a:r>
-              <a:rPr lang="en-US" dirty="0" smtClean="0"/>
-              <a:t>This system is like a </a:t>
-            </a:r>
-            <a:r>
-              <a:rPr lang="en-US" b="1" dirty="0" smtClean="0"/>
-              <a:t>central hub</a:t>
-            </a:r>
-            <a:r>
-              <a:rPr lang="en-US" dirty="0" smtClean="0"/>
-              <a:t> where:</a:t>
-            </a:r>
-          </a:p>
-          <a:p>
-            <a:r>
-              <a:rPr lang="en-US" dirty="0" smtClean="0"/>
-              <a:t>All types of service content (manuals, diagrams, training, tools info) are </a:t>
-            </a:r>
-            <a:r>
-              <a:rPr lang="en-US" b="1" dirty="0" smtClean="0"/>
-              <a:t>created</a:t>
-            </a:r>
-            <a:r>
-              <a:rPr lang="en-US" dirty="0" smtClean="0"/>
-              <a:t>, </a:t>
-            </a:r>
-            <a:r>
-              <a:rPr lang="en-US" b="1" dirty="0" smtClean="0"/>
-              <a:t>stored</a:t>
-            </a:r>
-            <a:r>
-              <a:rPr lang="en-US" dirty="0" smtClean="0"/>
-              <a:t>, </a:t>
-            </a:r>
-            <a:r>
-              <a:rPr lang="en-US" b="1" dirty="0" smtClean="0"/>
-              <a:t>updated</a:t>
-            </a:r>
-            <a:r>
-              <a:rPr lang="en-US" dirty="0" smtClean="0"/>
-              <a:t>, and </a:t>
-            </a:r>
-            <a:r>
-              <a:rPr lang="en-US" b="1" dirty="0" smtClean="0"/>
-              <a:t>shared</a:t>
-            </a:r>
-            <a:r>
-              <a:rPr lang="en-US" dirty="0" smtClean="0"/>
-              <a:t>.</a:t>
-            </a:r>
-          </a:p>
-          <a:p>
-            <a:r>
-              <a:rPr lang="en-US" dirty="0" smtClean="0"/>
-              <a:t>It ensures technicians and service centers always have the </a:t>
-            </a:r>
-            <a:r>
-              <a:rPr lang="en-US" b="1" dirty="0" smtClean="0"/>
-              <a:t>correct, latest information</a:t>
-            </a:r>
-            <a:r>
-              <a:rPr lang="en-US" dirty="0" smtClean="0"/>
-              <a:t> in hand to service the vehicle properly.</a:t>
-            </a:r>
-          </a:p>
-          <a:p>
-            <a:endParaRPr lang="en-US" dirty="0" smtClean="0"/>
-          </a:p>
-          <a:p>
+              <a:rPr lang="en-US" dirty="0" smtClean="0"/>
+              <a:t>ECN</a:t>
+            </a:r>
+            <a:r>
+              <a:rPr lang="en-US" baseline="0" dirty="0" smtClean="0"/>
+              <a:t> - </a:t>
+            </a:r>
+            <a:r>
+              <a:rPr lang="en-US" sz="1200" b="0" i="0" kern="1200" dirty="0" smtClean="0">
+                <a:solidFill>
+                  <a:schemeClr val="tx1"/>
+                </a:solidFill>
+                <a:latin typeface="+mn-lt"/>
+                <a:ea typeface="+mn-ea"/>
+                <a:cs typeface="+mn-cs"/>
+              </a:rPr>
+              <a:t>Engineering Change Notice(</a:t>
+            </a:r>
+            <a:r>
+              <a:rPr lang="en-US" dirty="0" smtClean="0"/>
+              <a:t>a document that communicates approved changes to a product's design, specifications, or manufacturing process</a:t>
+            </a:r>
+            <a:r>
+              <a:rPr lang="en-US" sz="1200" b="0" i="0" kern="1200" dirty="0" smtClean="0">
+                <a:solidFill>
+                  <a:schemeClr val="tx1"/>
+                </a:solidFill>
+                <a:latin typeface="+mn-lt"/>
+                <a:ea typeface="+mn-ea"/>
+                <a:cs typeface="+mn-cs"/>
+              </a:rPr>
+              <a:t>. It ensures all stakeholders are aware of the modification and authorizes implementation. )</a:t>
+            </a:r>
             <a:endParaRPr lang="en-US" dirty="0"/>
           </a:p>
         </p:txBody>
@@ -2302,7 +2266,7 @@
             <a:fld id="{2D29A876-06BB-41EC-9B0F-8FD6E6C83954}" type="slidenum">
               <a:rPr lang="en-US" smtClean="0"/>
               <a:pPr/>
-              <a:t>7</a:t>
+              <a:t>6</a:t>
             </a:fld>
             <a:endParaRPr lang="en-US" dirty="0"/>
           </a:p>
@@ -2362,31 +2326,102 @@
           </a:bodyPr>
           <a:lstStyle/>
           <a:p>
-            <a:pPr marL="0" marR="0" indent="0" algn="l" defTabSz="914400" rtl="0" eaLnBrk="1" fontAlgn="auto" latinLnBrk="0" hangingPunct="1">
-              <a:lnSpc>
-                <a:spcPct val="100000"/>
-              </a:lnSpc>
-              <a:spcBef>
-                <a:spcPts val="0"/>
-              </a:spcBef>
-              <a:spcAft>
-                <a:spcPts val="0"/>
-              </a:spcAft>
-              <a:buClrTx/>
-              <a:buSzTx/>
-              <a:buFontTx/>
-              <a:buNone/>
-              <a:tabLst/>
-              <a:defRPr/>
-            </a:pPr>
-            <a:r>
-              <a:rPr lang="en-US" dirty="0" smtClean="0"/>
-              <a:t>MIS</a:t>
-            </a:r>
-            <a:r>
-              <a:rPr lang="en-US" baseline="0" dirty="0" smtClean="0"/>
-              <a:t> – management information system</a:t>
-            </a:r>
+            <a:r>
+              <a:rPr lang="en-US" b="1" dirty="0" smtClean="0"/>
+              <a:t>Service Information Module</a:t>
+            </a:r>
+            <a:r>
+              <a:rPr lang="en-US" dirty="0" smtClean="0"/>
+              <a:t> here refers to an </a:t>
+            </a:r>
+            <a:r>
+              <a:rPr lang="en-US" b="1" dirty="0" smtClean="0"/>
+              <a:t>enterprise system</a:t>
+            </a:r>
+            <a:r>
+              <a:rPr lang="en-US" dirty="0" smtClean="0"/>
+              <a:t> (used by automotive manufacturers) that helps </a:t>
+            </a:r>
+            <a:r>
+              <a:rPr lang="en-US" b="1" dirty="0" smtClean="0"/>
+              <a:t>manage, create, and distribute</a:t>
+            </a:r>
+            <a:r>
+              <a:rPr lang="en-US" dirty="0" smtClean="0"/>
+              <a:t> all kinds of service-related content to technicians, dealerships, and customers.</a:t>
+            </a:r>
+          </a:p>
+          <a:p>
+            <a:endParaRPr lang="en-US" dirty="0" smtClean="0"/>
+          </a:p>
+          <a:p>
+            <a:r>
+              <a:rPr lang="en-US" dirty="0" smtClean="0"/>
+              <a:t>This system is like a </a:t>
+            </a:r>
+            <a:r>
+              <a:rPr lang="en-US" b="1" dirty="0" smtClean="0"/>
+              <a:t>central hub</a:t>
+            </a:r>
+            <a:r>
+              <a:rPr lang="en-US" dirty="0" smtClean="0"/>
+              <a:t> where:</a:t>
+            </a:r>
+          </a:p>
+          <a:p>
+            <a:r>
+              <a:rPr lang="en-US" dirty="0" smtClean="0"/>
+              <a:t>All types of service content (manuals, diagrams, training, tools info) are </a:t>
+            </a:r>
+            <a:r>
+              <a:rPr lang="en-US" b="1" dirty="0" smtClean="0"/>
+              <a:t>created</a:t>
+            </a:r>
+            <a:r>
+              <a:rPr lang="en-US" dirty="0" smtClean="0"/>
+              <a:t>, </a:t>
+            </a:r>
+            <a:r>
+              <a:rPr lang="en-US" b="1" dirty="0" smtClean="0"/>
+              <a:t>stored</a:t>
+            </a:r>
+            <a:r>
+              <a:rPr lang="en-US" dirty="0" smtClean="0"/>
+              <a:t>, </a:t>
+            </a:r>
+            <a:r>
+              <a:rPr lang="en-US" b="1" dirty="0" smtClean="0"/>
+              <a:t>updated</a:t>
+            </a:r>
+            <a:r>
+              <a:rPr lang="en-US" dirty="0" smtClean="0"/>
+              <a:t>, and </a:t>
+            </a:r>
+            <a:r>
+              <a:rPr lang="en-US" b="1" dirty="0" smtClean="0"/>
+              <a:t>shared</a:t>
+            </a:r>
+            <a:r>
+              <a:rPr lang="en-US" dirty="0" smtClean="0"/>
+              <a:t>.</a:t>
+            </a:r>
+          </a:p>
+          <a:p>
+            <a:r>
+              <a:rPr lang="en-US" dirty="0" smtClean="0"/>
+              <a:t>It ensures technicians and service centers always have the </a:t>
+            </a:r>
+            <a:r>
+              <a:rPr lang="en-US" b="1" dirty="0" smtClean="0"/>
+              <a:t>correct, latest information</a:t>
+            </a:r>
+            <a:r>
+              <a:rPr lang="en-US" dirty="0" smtClean="0"/>
+              <a:t> in hand to service the vehicle properly.</a:t>
+            </a:r>
+          </a:p>
+          <a:p>
+            <a:endParaRPr lang="en-US" dirty="0" smtClean="0"/>
           </a:p>
           <a:p>
             <a:endParaRPr lang="en-US" dirty="0"/>
@@ -2411,7 +2446,7 @@
             <a:fld id="{2D29A876-06BB-41EC-9B0F-8FD6E6C83954}" type="slidenum">
               <a:rPr lang="en-US" smtClean="0"/>
               <a:pPr/>
-              <a:t>9</a:t>
+              <a:t>7</a:t>
             </a:fld>
             <a:endParaRPr lang="en-US" dirty="0"/>
           </a:p>
@@ -2471,25 +2506,33 @@
           </a:bodyPr>
           <a:lstStyle/>
           <a:p>
-            <a:r>
-              <a:rPr lang="en-US" dirty="0" smtClean="0"/>
-              <a:t>OEM -</a:t>
+            <a:pPr marL="0" marR="0" indent="0" algn="l" defTabSz="914400" rtl="0" eaLnBrk="1" fontAlgn="auto" latinLnBrk="0" hangingPunct="1">
+              <a:lnSpc>
+                <a:spcPct val="100000"/>
+              </a:lnSpc>
+              <a:spcBef>
+                <a:spcPts val="0"/>
+              </a:spcBef>
+              <a:spcAft>
+                <a:spcPts val="0"/>
+              </a:spcAft>
+              <a:buClrTx/>
+              <a:buSzTx/>
+              <a:buFontTx/>
+              <a:buNone/>
+              <a:tabLst/>
+              <a:defRPr/>
+            </a:pPr>
+            <a:r>
+              <a:rPr lang="en-US" dirty="0" smtClean="0"/>
+              <a:t>MIS</a:t>
             </a:r>
             <a:r>
               <a:rPr lang="en-US" baseline="0" dirty="0" smtClean="0"/>
-              <a:t> </a:t>
-            </a:r>
-            <a:r>
-              <a:rPr lang="en-US" sz="1200" b="0" i="0" kern="1200" dirty="0" smtClean="0">
-                <a:solidFill>
-                  <a:schemeClr val="tx1"/>
-                </a:solidFill>
-                <a:latin typeface="+mn-lt"/>
-                <a:ea typeface="+mn-ea"/>
-                <a:cs typeface="+mn-cs"/>
-              </a:rPr>
-              <a:t>Original Equipment Manufacturer</a:t>
-            </a:r>
+              <a:t> – management information system</a:t>
+            </a:r>
+          </a:p>
+          <a:p>
             <a:endParaRPr lang="en-US" dirty="0"/>
           </a:p>
         </p:txBody>
@@ -2512,7 +2555,7 @@
             <a:fld id="{2D29A876-06BB-41EC-9B0F-8FD6E6C83954}" type="slidenum">
               <a:rPr lang="en-US" smtClean="0"/>
               <a:pPr/>
-              <a:t>11</a:t>
+              <a:t>9</a:t>
             </a:fld>
             <a:endParaRPr lang="en-US" dirty="0"/>
           </a:p>
@@ -2574,173 +2617,22 @@
           <a:p>
             <a:r>
               <a:rPr lang="en-US" dirty="0" smtClean="0"/>
-              <a:t>2) Managing the </a:t>
-            </a:r>
-            <a:r>
-              <a:rPr lang="en-US" b="1" dirty="0" smtClean="0"/>
-              <a:t>process of creating, sending, and tracking price quotes</a:t>
-            </a:r>
-            <a:r>
-              <a:rPr lang="en-US" dirty="0" smtClean="0"/>
-              <a:t> for products or services that a customer has asked for</a:t>
-            </a:r>
-            <a:r>
-              <a:rPr lang="en-US" baseline="0" dirty="0" smtClean="0"/>
-              <a:t> basically </a:t>
-            </a:r>
-            <a:r>
-              <a:rPr lang="en-US" dirty="0" smtClean="0"/>
-              <a:t>Preparing a </a:t>
-            </a:r>
-            <a:r>
-              <a:rPr lang="en-US" b="1" dirty="0" smtClean="0"/>
-              <a:t>quotation</a:t>
-            </a:r>
-            <a:r>
-              <a:rPr lang="en-US" dirty="0" smtClean="0"/>
-              <a:t> (document with product details, quantity, price, taxes, discounts, validity period).</a:t>
-            </a:r>
-          </a:p>
-          <a:p>
-            <a:r>
-              <a:rPr lang="en-US" dirty="0" smtClean="0"/>
-              <a:t>3) </a:t>
-            </a:r>
-            <a:r>
-              <a:rPr lang="en-US" b="1" dirty="0" smtClean="0"/>
-              <a:t>Planning, organizing, tracking, and analyzing</a:t>
-            </a:r>
-            <a:r>
-              <a:rPr lang="en-US" dirty="0" smtClean="0"/>
-              <a:t> all the </a:t>
-            </a:r>
-            <a:r>
-              <a:rPr lang="en-US" b="1" dirty="0" smtClean="0"/>
-              <a:t>marketing efforts</a:t>
-            </a:r>
-            <a:r>
-              <a:rPr lang="en-US" dirty="0" smtClean="0"/>
-              <a:t> a dealer or company does to promote their products or services.</a:t>
-            </a:r>
-          </a:p>
-          <a:p>
-            <a:r>
-              <a:rPr lang="en-US" dirty="0" smtClean="0"/>
-              <a:t>4) </a:t>
-            </a:r>
-            <a:r>
-              <a:rPr lang="en-US" b="1" dirty="0" smtClean="0"/>
-              <a:t>Recording and managing</a:t>
-            </a:r>
-            <a:r>
-              <a:rPr lang="en-US" dirty="0" smtClean="0"/>
-              <a:t> all the </a:t>
-            </a:r>
-            <a:r>
-              <a:rPr lang="en-US" b="1" dirty="0" smtClean="0"/>
-              <a:t>purchases</a:t>
-            </a:r>
-            <a:r>
-              <a:rPr lang="en-US" dirty="0" smtClean="0"/>
-              <a:t> made </a:t>
-            </a:r>
-            <a:r>
-              <a:rPr lang="en-US" b="1" dirty="0" smtClean="0"/>
-              <a:t>by the dealership</a:t>
-            </a:r>
-            <a:r>
-              <a:rPr lang="en-US" dirty="0" smtClean="0"/>
-              <a:t> from the OEM (Original Equipment Manufacturer) or supplier.</a:t>
-            </a:r>
-          </a:p>
-          <a:p>
-            <a:pPr marL="0" marR="0" indent="0" algn="l" defTabSz="914400" rtl="0" eaLnBrk="1" fontAlgn="auto" latinLnBrk="0" hangingPunct="1">
-              <a:lnSpc>
-                <a:spcPct val="100000"/>
-              </a:lnSpc>
-              <a:spcBef>
-                <a:spcPts val="0"/>
-              </a:spcBef>
-              <a:spcAft>
-                <a:spcPts val="0"/>
-              </a:spcAft>
-              <a:buClrTx/>
-              <a:buSzTx/>
-              <a:buFontTx/>
-              <a:buNone/>
-              <a:tabLst/>
-              <a:defRPr/>
-            </a:pPr>
-            <a:r>
-              <a:rPr lang="en-US" dirty="0" smtClean="0"/>
-              <a:t>5)</a:t>
+              <a:t>OEM -</a:t>
             </a:r>
             <a:r>
               <a:rPr lang="en-US" baseline="0" dirty="0" smtClean="0"/>
               <a:t> </a:t>
             </a:r>
             <a:r>
-              <a:rPr lang="en-US" b="1" dirty="0" smtClean="0"/>
-              <a:t>Tracking and managing all movements</a:t>
-            </a:r>
-            <a:r>
-              <a:rPr lang="en-US" dirty="0" smtClean="0"/>
-              <a:t> (in and out) of </a:t>
-            </a:r>
-            <a:r>
-              <a:rPr lang="en-US" b="1" dirty="0" smtClean="0"/>
-              <a:t>products in dealership stock</a:t>
-            </a:r>
-            <a:r>
-              <a:rPr lang="en-US" dirty="0" smtClean="0"/>
-              <a:t>.</a:t>
-            </a:r>
-          </a:p>
-          <a:p>
-            <a:pPr marL="0" marR="0" indent="0" algn="l" defTabSz="914400" rtl="0" eaLnBrk="1" fontAlgn="auto" latinLnBrk="0" hangingPunct="1">
-              <a:lnSpc>
-                <a:spcPct val="100000"/>
-              </a:lnSpc>
-              <a:spcBef>
-                <a:spcPts val="0"/>
-              </a:spcBef>
-              <a:spcAft>
-                <a:spcPts val="0"/>
-              </a:spcAft>
-              <a:buClrTx/>
-              <a:buSzTx/>
-              <a:buFontTx/>
-              <a:buNone/>
-              <a:tabLst/>
-              <a:defRPr/>
-            </a:pPr>
-            <a:r>
-              <a:rPr lang="en-US" dirty="0" smtClean="0"/>
-              <a:t>6) </a:t>
-            </a:r>
-            <a:r>
-              <a:rPr lang="en-US" b="1" dirty="0" smtClean="0"/>
-              <a:t>Managing claims</a:t>
-            </a:r>
-            <a:r>
-              <a:rPr lang="en-US" dirty="0" smtClean="0"/>
-              <a:t> made by dealers or branches to </a:t>
-            </a:r>
-            <a:r>
-              <a:rPr lang="en-US" b="1" dirty="0" smtClean="0"/>
-              <a:t>recover costs</a:t>
-            </a:r>
-            <a:r>
-              <a:rPr lang="en-US" dirty="0" smtClean="0"/>
-              <a:t> for </a:t>
-            </a:r>
-            <a:r>
-              <a:rPr lang="en-US" b="1" dirty="0" smtClean="0"/>
-              <a:t>sales promotions, discounts, warranty support, or marketing activities</a:t>
-            </a:r>
-            <a:r>
-              <a:rPr lang="en-US" dirty="0" smtClean="0"/>
-              <a:t> that the OEM (Manufacturer) promised to support.</a:t>
+              <a:rPr lang="en-US" sz="1200" b="0" i="0" kern="1200" dirty="0" smtClean="0">
+                <a:solidFill>
+                  <a:schemeClr val="tx1"/>
+                </a:solidFill>
+                <a:latin typeface="+mn-lt"/>
+                <a:ea typeface="+mn-ea"/>
+                <a:cs typeface="+mn-cs"/>
+              </a:rPr>
+              <a:t>Original Equipment Manufacturer</a:t>
             </a:r>
             <a:endParaRPr lang="en-US" dirty="0"/>
           </a:p>
@@ -2764,7 +2656,7 @@
             <a:fld id="{2D29A876-06BB-41EC-9B0F-8FD6E6C83954}" type="slidenum">
               <a:rPr lang="en-US" smtClean="0"/>
               <a:pPr/>
-              <a:t>13</a:t>
+              <a:t>11</a:t>
             </a:fld>
             <a:endParaRPr lang="en-US" dirty="0"/>
           </a:p>
@@ -2815,7 +2707,7 @@
             <a:fld id="{D7DE8F0E-6363-4E82-B695-B5FE43283AD4}" type="datetimeFigureOut">
               <a:rPr lang="en-US" smtClean="0"/>
               <a:pPr/>
-              <a:t>5/5/2025</a:t>
+              <a:t>5/12/2025</a:t>
             </a:fld>
             <a:endParaRPr lang="en-US" dirty="0"/>
           </a:p>
@@ -3534,7 +3426,7 @@
             <a:fld id="{D7DE8F0E-6363-4E82-B695-B5FE43283AD4}" type="datetimeFigureOut">
               <a:rPr lang="en-US" smtClean="0"/>
               <a:pPr/>
-              <a:t>5/5/2025</a:t>
+              <a:t>5/12/2025</a:t>
             </a:fld>
             <a:endParaRPr lang="en-US" dirty="0"/>
           </a:p>
@@ -3721,7 +3613,7 @@
             <a:fld id="{D7DE8F0E-6363-4E82-B695-B5FE43283AD4}" type="datetimeFigureOut">
               <a:rPr lang="en-US" smtClean="0"/>
               <a:pPr/>
-              <a:t>5/5/2025</a:t>
+              <a:t>5/12/2025</a:t>
             </a:fld>
             <a:endParaRPr lang="en-US" dirty="0"/>
           </a:p>
@@ -3898,7 +3790,7 @@
             <a:fld id="{D7DE8F0E-6363-4E82-B695-B5FE43283AD4}" type="datetimeFigureOut">
               <a:rPr lang="en-US" smtClean="0"/>
               <a:pPr/>
-              <a:t>5/5/2025</a:t>
+              <a:t>5/12/2025</a:t>
             </a:fld>
             <a:endParaRPr lang="en-US" dirty="0"/>
           </a:p>
@@ -5383,7 +5275,7 @@
             <a:fld id="{D7DE8F0E-6363-4E82-B695-B5FE43283AD4}" type="datetimeFigureOut">
               <a:rPr lang="en-US" smtClean="0"/>
               <a:pPr/>
-              <a:t>5/5/2025</a:t>
+              <a:t>5/12/2025</a:t>
             </a:fld>
             <a:endParaRPr lang="en-US" dirty="0"/>
           </a:p>
@@ -5985,7 +5877,7 @@
             <a:fld id="{D7DE8F0E-6363-4E82-B695-B5FE43283AD4}" type="datetimeFigureOut">
               <a:rPr lang="en-US" smtClean="0"/>
               <a:pPr/>
-              <a:t>5/5/2025</a:t>
+              <a:t>5/12/2025</a:t>
             </a:fld>
             <a:endParaRPr lang="en-US" dirty="0"/>
           </a:p>
@@ -6424,7 +6316,7 @@
             <a:fld id="{D7DE8F0E-6363-4E82-B695-B5FE43283AD4}" type="datetimeFigureOut">
               <a:rPr lang="en-US" smtClean="0"/>
               <a:pPr/>
-              <a:t>5/5/2025</a:t>
+              <a:t>5/12/2025</a:t>
             </a:fld>
             <a:endParaRPr lang="en-US" dirty="0"/>
           </a:p>
@@ -6987,7 +6879,7 @@
             <a:fld id="{D7DE8F0E-6363-4E82-B695-B5FE43283AD4}" type="datetimeFigureOut">
               <a:rPr lang="en-US" smtClean="0"/>
               <a:pPr/>
-              <a:t>5/5/2025</a:t>
+              <a:t>5/12/2025</a:t>
             </a:fld>
             <a:endParaRPr lang="en-US" dirty="0"/>
           </a:p>
@@ -7085,7 +6977,7 @@
             <a:fld id="{D7DE8F0E-6363-4E82-B695-B5FE43283AD4}" type="datetimeFigureOut">
               <a:rPr lang="en-US" smtClean="0"/>
               <a:pPr/>
-              <a:t>5/5/2025</a:t>
+              <a:t>5/12/2025</a:t>
             </a:fld>
             <a:endParaRPr lang="en-US" dirty="0"/>
           </a:p>
@@ -7341,7 +7233,7 @@
             <a:fld id="{D7DE8F0E-6363-4E82-B695-B5FE43283AD4}" type="datetimeFigureOut">
               <a:rPr lang="en-US" smtClean="0"/>
               <a:pPr/>
-              <a:t>5/5/2025</a:t>
+              <a:t>5/12/2025</a:t>
             </a:fld>
             <a:endParaRPr lang="en-US" dirty="0"/>
           </a:p>
@@ -8064,7 +7956,7 @@
             <a:fld id="{D7DE8F0E-6363-4E82-B695-B5FE43283AD4}" type="datetimeFigureOut">
               <a:rPr lang="en-US" smtClean="0"/>
               <a:pPr/>
-              <a:t>5/5/2025</a:t>
+              <a:t>5/12/2025</a:t>
             </a:fld>
             <a:endParaRPr lang="en-US" dirty="0"/>
           </a:p>
@@ -8739,7 +8631,7 @@
             <a:fld id="{D7DE8F0E-6363-4E82-B695-B5FE43283AD4}" type="datetimeFigureOut">
               <a:rPr lang="en-US" smtClean="0"/>
               <a:pPr/>
-              <a:t>5/5/2025</a:t>
+              <a:t>5/12/2025</a:t>
             </a:fld>
             <a:endParaRPr lang="en-US" dirty="0"/>
           </a:p>
@@ -9209,6 +9101,13 @@
   <p:clrMapOvr>
     <a:masterClrMapping/>
   </p:clrMapOvr>
+  <p:timing>
+    <p:tnLst>
+      <p:par>
+        <p:cTn id="1" dur="indefinite" restart="never" nodeType="tmRoot"/>
+      </p:par>
+    </p:tnLst>
+  </p:timing>
 </p:sld>
 </file>
 
@@ -9339,27 +9238,7 @@
           <a:p>
             <a:r>
               <a:rPr lang="en-US" dirty="0" smtClean="0"/>
-              <a:t>Centralized system for Dealer Operations, connects OEMs</a:t>
-            </a:r>
-            <a:r>
-              <a:rPr lang="en-US" dirty="0" smtClean="0"/>
-              <a:t>, </a:t>
-            </a:r>
-            <a:r>
-              <a:rPr lang="en-US" dirty="0" smtClean="0"/>
-              <a:t>Distributor, </a:t>
-            </a:r>
-            <a:r>
-              <a:rPr lang="en-US" dirty="0" smtClean="0"/>
-              <a:t>Dealers, </a:t>
-            </a:r>
-            <a:r>
-              <a:rPr lang="en-US" dirty="0" smtClean="0"/>
-              <a:t>and End </a:t>
-            </a:r>
-            <a:r>
-              <a:rPr lang="en-US" dirty="0" smtClean="0"/>
-              <a:t>Customers.</a:t>
+              <a:t>Centralized system for Dealer Operations, connects OEMs, Distributor, Dealers, and End Customers.</a:t>
             </a:r>
           </a:p>
           <a:p>
@@ -9371,11 +9250,7 @@
           <a:p>
             <a:r>
               <a:rPr lang="en-US" dirty="0" smtClean="0"/>
-              <a:t>Real-time </a:t>
-            </a:r>
-            <a:r>
-              <a:rPr lang="en-US" dirty="0" smtClean="0"/>
-              <a:t>business visibility and reporting.</a:t>
+              <a:t>Real-time business visibility and reporting.</a:t>
             </a:r>
           </a:p>
           <a:p>
@@ -9486,13 +9361,7 @@
           <a:p>
             <a:r>
               <a:rPr lang="en-US" dirty="0" smtClean="0"/>
-              <a:t>MIS Reporting Module</a:t>
-            </a:r>
-          </a:p>
-          <a:p>
-            <a:r>
-              <a:rPr lang="en-US" dirty="0" smtClean="0"/>
-              <a:t>Lastly, different advanced features for user access.</a:t>
+              <a:t>Lastly, Advanced Value Added Features</a:t>
             </a:r>
           </a:p>
           <a:p>
@@ -9611,6 +9480,13 @@
   <p:clrMapOvr>
     <a:masterClrMapping/>
   </p:clrMapOvr>
+  <p:timing>
+    <p:tnLst>
+      <p:par>
+        <p:cTn id="1" dur="indefinite" restart="never" nodeType="tmRoot"/>
+      </p:par>
+    </p:tnLst>
+  </p:timing>
 </p:sld>
 </file>
 
@@ -9683,13 +9559,11 @@
           <a:p>
             <a:r>
               <a:rPr lang="en-US" dirty="0" smtClean="0"/>
-              <a:t>Spare Parts Dashboard</a:t>
-            </a:r>
-          </a:p>
-          <a:p>
-            <a:r>
-              <a:rPr lang="en-US" dirty="0" smtClean="0"/>
-              <a:t>Spare Order Quotation Management</a:t>
+              <a:t>Spare </a:t>
+            </a:r>
+            <a:r>
+              <a:rPr lang="en-US" dirty="0" smtClean="0"/>
+              <a:t>Order Quotation Management</a:t>
             </a:r>
           </a:p>
           <a:p>
@@ -9714,6 +9588,13 @@
   <p:clrMapOvr>
     <a:masterClrMapping/>
   </p:clrMapOvr>
+  <p:timing>
+    <p:tnLst>
+      <p:par>
+        <p:cTn id="1" dur="indefinite" restart="never" nodeType="tmRoot"/>
+      </p:par>
+    </p:tnLst>
+  </p:timing>
 </p:sld>
 </file>
 
@@ -9798,17 +9679,13 @@
           <a:p>
             <a:r>
               <a:rPr lang="en-US" dirty="0" smtClean="0"/>
-              <a:t>Service Activity Tracking</a:t>
-            </a:r>
-          </a:p>
-          <a:p>
-            <a:r>
-              <a:rPr lang="en-US" dirty="0" smtClean="0"/>
-              <a:t>Service Performance Dashboard</a:t>
-            </a:r>
-          </a:p>
-          <a:p>
-            <a:endParaRPr lang="en-US" dirty="0"/>
+              <a:t>Service Activity </a:t>
+            </a:r>
+            <a:r>
+              <a:rPr lang="en-US" dirty="0" smtClean="0"/>
+              <a:t>Management</a:t>
+            </a:r>
+            <a:endParaRPr lang="en-US" dirty="0" smtClean="0"/>
           </a:p>
         </p:txBody>
       </p:sp>
@@ -9854,7 +9731,7 @@
           <a:p>
             <a:r>
               <a:rPr lang="en-US" dirty="0" smtClean="0"/>
-              <a:t>MIS Reporting</a:t>
+              <a:t>Advanced Value Added Features</a:t>
             </a:r>
             <a:endParaRPr lang="en-US" dirty="0"/>
           </a:p>
@@ -9877,19 +9754,44 @@
           <a:p>
             <a:r>
               <a:rPr lang="en-US" dirty="0" smtClean="0"/>
-              <a:t>Real-Time Dashboards for Management</a:t>
-            </a:r>
-          </a:p>
-          <a:p>
-            <a:r>
-              <a:rPr lang="en-US" dirty="0" smtClean="0"/>
-              <a:t>Analytical Reports for Sales, Spares, and Service</a:t>
-            </a:r>
-          </a:p>
-          <a:p>
-            <a:r>
-              <a:rPr lang="en-US" dirty="0" smtClean="0"/>
-              <a:t>Customizable Data Views for Quick Decision-Making</a:t>
+              <a:t>Integration with ERP </a:t>
+            </a:r>
+            <a:r>
+              <a:rPr lang="en-US" dirty="0" smtClean="0"/>
+              <a:t>Systems and 3</a:t>
+            </a:r>
+            <a:r>
+              <a:rPr lang="en-US" baseline="30000" dirty="0" smtClean="0"/>
+              <a:t>rd</a:t>
+            </a:r>
+            <a:r>
+              <a:rPr lang="en-US" dirty="0" smtClean="0"/>
+              <a:t> party Application.</a:t>
+            </a:r>
+            <a:endParaRPr lang="en-US" dirty="0" smtClean="0"/>
+          </a:p>
+          <a:p>
+            <a:r>
+              <a:rPr lang="en-US" dirty="0" smtClean="0"/>
+              <a:t>Web + Mobile Applications Support</a:t>
+            </a:r>
+          </a:p>
+          <a:p>
+            <a:r>
+              <a:rPr lang="en-US" dirty="0" smtClean="0"/>
+              <a:t>Customized and Scalable Solution</a:t>
+            </a:r>
+          </a:p>
+          <a:p>
+            <a:r>
+              <a:rPr lang="en-US" dirty="0" smtClean="0"/>
+              <a:t>High Information Security</a:t>
+            </a:r>
+          </a:p>
+          <a:p>
+            <a:r>
+              <a:rPr lang="en-US" dirty="0" smtClean="0"/>
+              <a:t>Application Hosting at OEM Server</a:t>
             </a:r>
           </a:p>
           <a:p>
@@ -9938,103 +9840,6 @@
           <a:lstStyle/>
           <a:p>
             <a:r>
-              <a:rPr lang="en-US" dirty="0" smtClean="0"/>
-              <a:t>Advanced Value Added Features</a:t>
-            </a:r>
-            <a:endParaRPr lang="en-US" dirty="0"/>
-          </a:p>
-        </p:txBody>
-      </p:sp>
-      <p:sp>
-        <p:nvSpPr>
-          <p:cNvPr id="3" name="Content Placeholder 2"/>
-          <p:cNvSpPr>
-            <a:spLocks noGrp="1"/>
-          </p:cNvSpPr>
-          <p:nvPr>
-            <p:ph idx="1"/>
-          </p:nvPr>
-        </p:nvSpPr>
-        <p:spPr/>
-        <p:txBody>
-          <a:bodyPr/>
-          <a:lstStyle/>
-          <a:p>
-            <a:r>
-              <a:rPr lang="en-US" dirty="0" smtClean="0"/>
-              <a:t>Integration with ERP Systems</a:t>
-            </a:r>
-          </a:p>
-          <a:p>
-            <a:r>
-              <a:rPr lang="en-US" dirty="0" smtClean="0"/>
-              <a:t>Web + Mobile Applications Support</a:t>
-            </a:r>
-          </a:p>
-          <a:p>
-            <a:r>
-              <a:rPr lang="en-US" dirty="0" smtClean="0"/>
-              <a:t>Customized and Scalable Solution</a:t>
-            </a:r>
-          </a:p>
-          <a:p>
-            <a:r>
-              <a:rPr lang="en-US" dirty="0" smtClean="0"/>
-              <a:t>High Information Security</a:t>
-            </a:r>
-          </a:p>
-          <a:p>
-            <a:r>
-              <a:rPr lang="en-US" dirty="0" smtClean="0"/>
-              <a:t>Application Hosting at OEM Server</a:t>
-            </a:r>
-          </a:p>
-          <a:p>
-            <a:endParaRPr lang="en-US" dirty="0"/>
-          </a:p>
-        </p:txBody>
-      </p:sp>
-    </p:spTree>
-  </p:cSld>
-  <p:clrMapOvr>
-    <a:masterClrMapping/>
-  </p:clrMapOvr>
-</p:sld>
-</file>
-
-<file path=ppt/slides/slide18.xml><?xml version="1.0" encoding="utf-8"?>
-<p:sld xmlns:a="http://schemas.openxmlformats.org/drawingml/2006/main" xmlns:r="http://schemas.openxmlformats.org/officeDocument/2006/relationships" xmlns:p="http://schemas.openxmlformats.org/presentationml/2006/main">
-  <p:cSld>
-    <p:spTree>
-      <p:nvGrpSpPr>
-        <p:cNvPr id="1" name=""/>
-        <p:cNvGrpSpPr/>
-        <p:nvPr/>
-      </p:nvGrpSpPr>
-      <p:grpSpPr>
-        <a:xfrm>
-          <a:off x="0" y="0"/>
-          <a:ext cx="0" cy="0"/>
-          <a:chOff x="0" y="0"/>
-          <a:chExt cx="0" cy="0"/>
-        </a:xfrm>
-      </p:grpSpPr>
-      <p:sp>
-        <p:nvSpPr>
-          <p:cNvPr id="2" name="Title 1"/>
-          <p:cNvSpPr>
-            <a:spLocks noGrp="1"/>
-          </p:cNvSpPr>
-          <p:nvPr>
-            <p:ph type="title"/>
-          </p:nvPr>
-        </p:nvSpPr>
-        <p:spPr/>
-        <p:txBody>
-          <a:bodyPr/>
-          <a:lstStyle/>
-          <a:p>
-            <a:r>
               <a:rPr lang="en-US" b="1" dirty="0" smtClean="0"/>
               <a:t>Benefits of DMS</a:t>
             </a:r>
@@ -10203,6 +10008,13 @@
   <p:clrMapOvr>
     <a:masterClrMapping/>
   </p:clrMapOvr>
+  <p:timing>
+    <p:tnLst>
+      <p:par>
+        <p:cTn id="1" dur="indefinite" restart="never" nodeType="tmRoot"/>
+      </p:par>
+    </p:tnLst>
+  </p:timing>
 </p:sld>
 </file>
 
@@ -10307,6 +10119,13 @@
   <p:clrMapOvr>
     <a:masterClrMapping/>
   </p:clrMapOvr>
+  <p:timing>
+    <p:tnLst>
+      <p:par>
+        <p:cTn id="1" dur="indefinite" restart="never" nodeType="tmRoot"/>
+      </p:par>
+    </p:tnLst>
+  </p:timing>
 </p:sld>
 </file>
 
